--- a/CSI3010 Data Warehousing Data Mining/reference materials/module-5 cluster analysis and outlier analysis/20_Cluster Evaluation.pptx
+++ b/CSI3010 Data Warehousing Data Mining/reference materials/module-5 cluster analysis and outlier analysis/20_Cluster Evaluation.pptx
@@ -5,7 +5,7 @@
     <p:sldMasterId id="2147483730" r:id="rId1"/>
   </p:sldMasterIdLst>
   <p:notesMasterIdLst>
-    <p:notesMasterId r:id="rId24"/>
+    <p:notesMasterId r:id="rId23"/>
   </p:notesMasterIdLst>
   <p:sldIdLst>
     <p:sldId id="256" r:id="rId2"/>
@@ -16,20 +16,19 @@
     <p:sldId id="269" r:id="rId7"/>
     <p:sldId id="273" r:id="rId8"/>
     <p:sldId id="270" r:id="rId9"/>
-    <p:sldId id="262" r:id="rId10"/>
-    <p:sldId id="257" r:id="rId11"/>
-    <p:sldId id="275" r:id="rId12"/>
-    <p:sldId id="276" r:id="rId13"/>
-    <p:sldId id="277" r:id="rId14"/>
-    <p:sldId id="282" r:id="rId15"/>
-    <p:sldId id="278" r:id="rId16"/>
-    <p:sldId id="279" r:id="rId17"/>
-    <p:sldId id="280" r:id="rId18"/>
-    <p:sldId id="258" r:id="rId19"/>
-    <p:sldId id="259" r:id="rId20"/>
-    <p:sldId id="283" r:id="rId21"/>
-    <p:sldId id="263" r:id="rId22"/>
-    <p:sldId id="265" r:id="rId23"/>
+    <p:sldId id="257" r:id="rId10"/>
+    <p:sldId id="275" r:id="rId11"/>
+    <p:sldId id="276" r:id="rId12"/>
+    <p:sldId id="277" r:id="rId13"/>
+    <p:sldId id="282" r:id="rId14"/>
+    <p:sldId id="278" r:id="rId15"/>
+    <p:sldId id="279" r:id="rId16"/>
+    <p:sldId id="280" r:id="rId17"/>
+    <p:sldId id="258" r:id="rId18"/>
+    <p:sldId id="259" r:id="rId19"/>
+    <p:sldId id="283" r:id="rId20"/>
+    <p:sldId id="263" r:id="rId21"/>
+    <p:sldId id="265" r:id="rId22"/>
   </p:sldIdLst>
   <p:sldSz cx="9144000" cy="6858000" type="screen4x3"/>
   <p:notesSz cx="6858000" cy="9144000"/>
@@ -229,7 +228,7 @@
           <a:p>
             <a:fld id="{AA4BDA8C-820C-459C-9AC3-513B5DFE5A4F}" type="datetimeFigureOut">
               <a:rPr lang="en-IN" smtClean="0"/>
-              <a:t>10-03-2022</a:t>
+              <a:t>02/04/22</a:t>
             </a:fld>
             <a:endParaRPr lang="en-IN"/>
           </a:p>
@@ -293,35 +292,35 @@
           <a:p>
             <a:pPr lvl="0"/>
             <a:r>
-              <a:rPr lang="en-US" smtClean="0"/>
+              <a:rPr lang="en-US"/>
               <a:t>Click to edit Master text styles</a:t>
             </a:r>
           </a:p>
           <a:p>
             <a:pPr lvl="1"/>
             <a:r>
-              <a:rPr lang="en-US" smtClean="0"/>
+              <a:rPr lang="en-US"/>
               <a:t>Second level</a:t>
             </a:r>
           </a:p>
           <a:p>
             <a:pPr lvl="2"/>
             <a:r>
-              <a:rPr lang="en-US" smtClean="0"/>
+              <a:rPr lang="en-US"/>
               <a:t>Third level</a:t>
             </a:r>
           </a:p>
           <a:p>
             <a:pPr lvl="3"/>
             <a:r>
-              <a:rPr lang="en-US" smtClean="0"/>
+              <a:rPr lang="en-US"/>
               <a:t>Fourth level</a:t>
             </a:r>
           </a:p>
           <a:p>
             <a:pPr lvl="4"/>
             <a:r>
-              <a:rPr lang="en-US" smtClean="0"/>
+              <a:rPr lang="en-US"/>
               <a:t>Fifth level</a:t>
             </a:r>
             <a:endParaRPr lang="en-IN"/>
@@ -535,10 +534,9 @@
           <a:lstStyle/>
           <a:p>
             <a:r>
-              <a:rPr lang="en-US" smtClean="0"/>
+              <a:rPr lang="en-US"/>
               <a:t>Click to edit Master title style</a:t>
             </a:r>
-            <a:endParaRPr lang="en-US"/>
           </a:p>
         </p:txBody>
       </p:sp>
@@ -654,10 +652,9 @@
           </a:lstStyle>
           <a:p>
             <a:r>
-              <a:rPr lang="en-US" smtClean="0"/>
+              <a:rPr lang="en-US"/>
               <a:t>Click to edit Master subtitle style</a:t>
             </a:r>
-            <a:endParaRPr lang="en-US"/>
           </a:p>
         </p:txBody>
       </p:sp>
@@ -685,7 +682,7 @@
                 </a:solidFill>
               </a:rPr>
               <a:pPr/>
-              <a:t>3/10/2022</a:t>
+              <a:t>4/2/22</a:t>
             </a:fld>
             <a:endParaRPr lang="en-US">
               <a:solidFill>
@@ -804,10 +801,9 @@
           <a:lstStyle/>
           <a:p>
             <a:r>
-              <a:rPr lang="en-US" smtClean="0"/>
+              <a:rPr lang="en-US"/>
               <a:t>Click to edit Master title style</a:t>
             </a:r>
-            <a:endParaRPr lang="en-US"/>
           </a:p>
         </p:txBody>
       </p:sp>
@@ -828,38 +824,37 @@
           <a:p>
             <a:pPr lvl="0"/>
             <a:r>
-              <a:rPr lang="en-US" smtClean="0"/>
+              <a:rPr lang="en-US"/>
               <a:t>Click to edit Master text styles</a:t>
             </a:r>
           </a:p>
           <a:p>
             <a:pPr lvl="1"/>
             <a:r>
-              <a:rPr lang="en-US" smtClean="0"/>
+              <a:rPr lang="en-US"/>
               <a:t>Second level</a:t>
             </a:r>
           </a:p>
           <a:p>
             <a:pPr lvl="2"/>
             <a:r>
-              <a:rPr lang="en-US" smtClean="0"/>
+              <a:rPr lang="en-US"/>
               <a:t>Third level</a:t>
             </a:r>
           </a:p>
           <a:p>
             <a:pPr lvl="3"/>
             <a:r>
-              <a:rPr lang="en-US" smtClean="0"/>
+              <a:rPr lang="en-US"/>
               <a:t>Fourth level</a:t>
             </a:r>
           </a:p>
           <a:p>
             <a:pPr lvl="4"/>
             <a:r>
-              <a:rPr lang="en-US" smtClean="0"/>
+              <a:rPr lang="en-US"/>
               <a:t>Fifth level</a:t>
             </a:r>
-            <a:endParaRPr lang="en-US"/>
           </a:p>
         </p:txBody>
       </p:sp>
@@ -887,7 +882,7 @@
                 </a:solidFill>
               </a:rPr>
               <a:pPr/>
-              <a:t>3/10/2022</a:t>
+              <a:t>4/2/22</a:t>
             </a:fld>
             <a:endParaRPr lang="en-US">
               <a:solidFill>
@@ -1011,10 +1006,9 @@
           <a:lstStyle/>
           <a:p>
             <a:r>
-              <a:rPr lang="en-US" smtClean="0"/>
+              <a:rPr lang="en-US"/>
               <a:t>Click to edit Master title style</a:t>
             </a:r>
-            <a:endParaRPr lang="en-US"/>
           </a:p>
         </p:txBody>
       </p:sp>
@@ -1040,38 +1034,37 @@
           <a:p>
             <a:pPr lvl="0"/>
             <a:r>
-              <a:rPr lang="en-US" smtClean="0"/>
+              <a:rPr lang="en-US"/>
               <a:t>Click to edit Master text styles</a:t>
             </a:r>
           </a:p>
           <a:p>
             <a:pPr lvl="1"/>
             <a:r>
-              <a:rPr lang="en-US" smtClean="0"/>
+              <a:rPr lang="en-US"/>
               <a:t>Second level</a:t>
             </a:r>
           </a:p>
           <a:p>
             <a:pPr lvl="2"/>
             <a:r>
-              <a:rPr lang="en-US" smtClean="0"/>
+              <a:rPr lang="en-US"/>
               <a:t>Third level</a:t>
             </a:r>
           </a:p>
           <a:p>
             <a:pPr lvl="3"/>
             <a:r>
-              <a:rPr lang="en-US" smtClean="0"/>
+              <a:rPr lang="en-US"/>
               <a:t>Fourth level</a:t>
             </a:r>
           </a:p>
           <a:p>
             <a:pPr lvl="4"/>
             <a:r>
-              <a:rPr lang="en-US" smtClean="0"/>
+              <a:rPr lang="en-US"/>
               <a:t>Fifth level</a:t>
             </a:r>
-            <a:endParaRPr lang="en-US"/>
           </a:p>
         </p:txBody>
       </p:sp>
@@ -1099,7 +1092,7 @@
                 </a:solidFill>
               </a:rPr>
               <a:pPr/>
-              <a:t>3/10/2022</a:t>
+              <a:t>4/2/22</a:t>
             </a:fld>
             <a:endParaRPr lang="en-US">
               <a:solidFill>
@@ -1223,10 +1216,9 @@
           <a:lstStyle/>
           <a:p>
             <a:r>
-              <a:rPr lang="en-US" smtClean="0"/>
+              <a:rPr lang="en-US"/>
               <a:t>Click to edit Master title style</a:t>
             </a:r>
-            <a:endParaRPr lang="en-US"/>
           </a:p>
         </p:txBody>
       </p:sp>
@@ -1277,38 +1269,37 @@
           <a:p>
             <a:pPr lvl="0"/>
             <a:r>
-              <a:rPr lang="en-US" smtClean="0"/>
+              <a:rPr lang="en-US"/>
               <a:t>Click to edit Master text styles</a:t>
             </a:r>
           </a:p>
           <a:p>
             <a:pPr lvl="1"/>
             <a:r>
-              <a:rPr lang="en-US" smtClean="0"/>
+              <a:rPr lang="en-US"/>
               <a:t>Second level</a:t>
             </a:r>
           </a:p>
           <a:p>
             <a:pPr lvl="2"/>
             <a:r>
-              <a:rPr lang="en-US" smtClean="0"/>
+              <a:rPr lang="en-US"/>
               <a:t>Third level</a:t>
             </a:r>
           </a:p>
           <a:p>
             <a:pPr lvl="3"/>
             <a:r>
-              <a:rPr lang="en-US" smtClean="0"/>
+              <a:rPr lang="en-US"/>
               <a:t>Fourth level</a:t>
             </a:r>
           </a:p>
           <a:p>
             <a:pPr lvl="4"/>
             <a:r>
-              <a:rPr lang="en-US" smtClean="0"/>
+              <a:rPr lang="en-US"/>
               <a:t>Fifth level</a:t>
             </a:r>
-            <a:endParaRPr lang="en-US"/>
           </a:p>
         </p:txBody>
       </p:sp>
@@ -1473,10 +1464,9 @@
           <a:lstStyle/>
           <a:p>
             <a:r>
-              <a:rPr lang="en-US" smtClean="0"/>
+              <a:rPr lang="en-US"/>
               <a:t>Click to edit Master title style</a:t>
             </a:r>
-            <a:endParaRPr lang="en-US"/>
           </a:p>
         </p:txBody>
       </p:sp>
@@ -1497,38 +1487,37 @@
           <a:p>
             <a:pPr lvl="0"/>
             <a:r>
-              <a:rPr lang="en-US" smtClean="0"/>
+              <a:rPr lang="en-US"/>
               <a:t>Click to edit Master text styles</a:t>
             </a:r>
           </a:p>
           <a:p>
             <a:pPr lvl="1"/>
             <a:r>
-              <a:rPr lang="en-US" smtClean="0"/>
+              <a:rPr lang="en-US"/>
               <a:t>Second level</a:t>
             </a:r>
           </a:p>
           <a:p>
             <a:pPr lvl="2"/>
             <a:r>
-              <a:rPr lang="en-US" smtClean="0"/>
+              <a:rPr lang="en-US"/>
               <a:t>Third level</a:t>
             </a:r>
           </a:p>
           <a:p>
             <a:pPr lvl="3"/>
             <a:r>
-              <a:rPr lang="en-US" smtClean="0"/>
+              <a:rPr lang="en-US"/>
               <a:t>Fourth level</a:t>
             </a:r>
           </a:p>
           <a:p>
             <a:pPr lvl="4"/>
             <a:r>
-              <a:rPr lang="en-US" smtClean="0"/>
+              <a:rPr lang="en-US"/>
               <a:t>Fifth level</a:t>
             </a:r>
-            <a:endParaRPr lang="en-US"/>
           </a:p>
         </p:txBody>
       </p:sp>
@@ -1556,7 +1545,7 @@
                 </a:solidFill>
               </a:rPr>
               <a:pPr/>
-              <a:t>3/10/2022</a:t>
+              <a:t>4/2/22</a:t>
             </a:fld>
             <a:endParaRPr lang="en-US">
               <a:solidFill>
@@ -1684,10 +1673,9 @@
           </a:lstStyle>
           <a:p>
             <a:r>
-              <a:rPr lang="en-US" smtClean="0"/>
+              <a:rPr lang="en-US"/>
               <a:t>Click to edit Master title style</a:t>
             </a:r>
-            <a:endParaRPr lang="en-US"/>
           </a:p>
         </p:txBody>
       </p:sp>
@@ -1804,7 +1792,7 @@
           <a:p>
             <a:pPr lvl="0"/>
             <a:r>
-              <a:rPr lang="en-US" smtClean="0"/>
+              <a:rPr lang="en-US"/>
               <a:t>Click to edit Master text styles</a:t>
             </a:r>
           </a:p>
@@ -1834,7 +1822,7 @@
                 </a:solidFill>
               </a:rPr>
               <a:pPr/>
-              <a:t>3/10/2022</a:t>
+              <a:t>4/2/22</a:t>
             </a:fld>
             <a:endParaRPr lang="en-US">
               <a:solidFill>
@@ -1953,10 +1941,9 @@
           <a:lstStyle/>
           <a:p>
             <a:r>
-              <a:rPr lang="en-US" smtClean="0"/>
+              <a:rPr lang="en-US"/>
               <a:t>Click to edit Master title style</a:t>
             </a:r>
-            <a:endParaRPr lang="en-US"/>
           </a:p>
         </p:txBody>
       </p:sp>
@@ -2010,38 +1997,37 @@
           <a:p>
             <a:pPr lvl="0"/>
             <a:r>
-              <a:rPr lang="en-US" smtClean="0"/>
+              <a:rPr lang="en-US"/>
               <a:t>Click to edit Master text styles</a:t>
             </a:r>
           </a:p>
           <a:p>
             <a:pPr lvl="1"/>
             <a:r>
-              <a:rPr lang="en-US" smtClean="0"/>
+              <a:rPr lang="en-US"/>
               <a:t>Second level</a:t>
             </a:r>
           </a:p>
           <a:p>
             <a:pPr lvl="2"/>
             <a:r>
-              <a:rPr lang="en-US" smtClean="0"/>
+              <a:rPr lang="en-US"/>
               <a:t>Third level</a:t>
             </a:r>
           </a:p>
           <a:p>
             <a:pPr lvl="3"/>
             <a:r>
-              <a:rPr lang="en-US" smtClean="0"/>
+              <a:rPr lang="en-US"/>
               <a:t>Fourth level</a:t>
             </a:r>
           </a:p>
           <a:p>
             <a:pPr lvl="4"/>
             <a:r>
-              <a:rPr lang="en-US" smtClean="0"/>
+              <a:rPr lang="en-US"/>
               <a:t>Fifth level</a:t>
             </a:r>
-            <a:endParaRPr lang="en-US"/>
           </a:p>
         </p:txBody>
       </p:sp>
@@ -2095,38 +2081,37 @@
           <a:p>
             <a:pPr lvl="0"/>
             <a:r>
-              <a:rPr lang="en-US" smtClean="0"/>
+              <a:rPr lang="en-US"/>
               <a:t>Click to edit Master text styles</a:t>
             </a:r>
           </a:p>
           <a:p>
             <a:pPr lvl="1"/>
             <a:r>
-              <a:rPr lang="en-US" smtClean="0"/>
+              <a:rPr lang="en-US"/>
               <a:t>Second level</a:t>
             </a:r>
           </a:p>
           <a:p>
             <a:pPr lvl="2"/>
             <a:r>
-              <a:rPr lang="en-US" smtClean="0"/>
+              <a:rPr lang="en-US"/>
               <a:t>Third level</a:t>
             </a:r>
           </a:p>
           <a:p>
             <a:pPr lvl="3"/>
             <a:r>
-              <a:rPr lang="en-US" smtClean="0"/>
+              <a:rPr lang="en-US"/>
               <a:t>Fourth level</a:t>
             </a:r>
           </a:p>
           <a:p>
             <a:pPr lvl="4"/>
             <a:r>
-              <a:rPr lang="en-US" smtClean="0"/>
+              <a:rPr lang="en-US"/>
               <a:t>Fifth level</a:t>
             </a:r>
-            <a:endParaRPr lang="en-US"/>
           </a:p>
         </p:txBody>
       </p:sp>
@@ -2154,7 +2139,7 @@
                 </a:solidFill>
               </a:rPr>
               <a:pPr/>
-              <a:t>3/10/2022</a:t>
+              <a:t>4/2/22</a:t>
             </a:fld>
             <a:endParaRPr lang="en-US">
               <a:solidFill>
@@ -2277,10 +2262,9 @@
           </a:lstStyle>
           <a:p>
             <a:r>
-              <a:rPr lang="en-US" smtClean="0"/>
+              <a:rPr lang="en-US"/>
               <a:t>Click to edit Master title style</a:t>
             </a:r>
-            <a:endParaRPr lang="en-US"/>
           </a:p>
         </p:txBody>
       </p:sp>
@@ -2343,7 +2327,7 @@
           <a:p>
             <a:pPr lvl="0"/>
             <a:r>
-              <a:rPr lang="en-US" smtClean="0"/>
+              <a:rPr lang="en-US"/>
               <a:t>Click to edit Master text styles</a:t>
             </a:r>
           </a:p>
@@ -2399,38 +2383,37 @@
           <a:p>
             <a:pPr lvl="0"/>
             <a:r>
-              <a:rPr lang="en-US" smtClean="0"/>
+              <a:rPr lang="en-US"/>
               <a:t>Click to edit Master text styles</a:t>
             </a:r>
           </a:p>
           <a:p>
             <a:pPr lvl="1"/>
             <a:r>
-              <a:rPr lang="en-US" smtClean="0"/>
+              <a:rPr lang="en-US"/>
               <a:t>Second level</a:t>
             </a:r>
           </a:p>
           <a:p>
             <a:pPr lvl="2"/>
             <a:r>
-              <a:rPr lang="en-US" smtClean="0"/>
+              <a:rPr lang="en-US"/>
               <a:t>Third level</a:t>
             </a:r>
           </a:p>
           <a:p>
             <a:pPr lvl="3"/>
             <a:r>
-              <a:rPr lang="en-US" smtClean="0"/>
+              <a:rPr lang="en-US"/>
               <a:t>Fourth level</a:t>
             </a:r>
           </a:p>
           <a:p>
             <a:pPr lvl="4"/>
             <a:r>
-              <a:rPr lang="en-US" smtClean="0"/>
+              <a:rPr lang="en-US"/>
               <a:t>Fifth level</a:t>
             </a:r>
-            <a:endParaRPr lang="en-US"/>
           </a:p>
         </p:txBody>
       </p:sp>
@@ -2493,7 +2476,7 @@
           <a:p>
             <a:pPr lvl="0"/>
             <a:r>
-              <a:rPr lang="en-US" smtClean="0"/>
+              <a:rPr lang="en-US"/>
               <a:t>Click to edit Master text styles</a:t>
             </a:r>
           </a:p>
@@ -2549,38 +2532,37 @@
           <a:p>
             <a:pPr lvl="0"/>
             <a:r>
-              <a:rPr lang="en-US" smtClean="0"/>
+              <a:rPr lang="en-US"/>
               <a:t>Click to edit Master text styles</a:t>
             </a:r>
           </a:p>
           <a:p>
             <a:pPr lvl="1"/>
             <a:r>
-              <a:rPr lang="en-US" smtClean="0"/>
+              <a:rPr lang="en-US"/>
               <a:t>Second level</a:t>
             </a:r>
           </a:p>
           <a:p>
             <a:pPr lvl="2"/>
             <a:r>
-              <a:rPr lang="en-US" smtClean="0"/>
+              <a:rPr lang="en-US"/>
               <a:t>Third level</a:t>
             </a:r>
           </a:p>
           <a:p>
             <a:pPr lvl="3"/>
             <a:r>
-              <a:rPr lang="en-US" smtClean="0"/>
+              <a:rPr lang="en-US"/>
               <a:t>Fourth level</a:t>
             </a:r>
           </a:p>
           <a:p>
             <a:pPr lvl="4"/>
             <a:r>
-              <a:rPr lang="en-US" smtClean="0"/>
+              <a:rPr lang="en-US"/>
               <a:t>Fifth level</a:t>
             </a:r>
-            <a:endParaRPr lang="en-US"/>
           </a:p>
         </p:txBody>
       </p:sp>
@@ -2608,7 +2590,7 @@
                 </a:solidFill>
               </a:rPr>
               <a:pPr/>
-              <a:t>3/10/2022</a:t>
+              <a:t>4/2/22</a:t>
             </a:fld>
             <a:endParaRPr lang="en-US">
               <a:solidFill>
@@ -2727,10 +2709,9 @@
           <a:lstStyle/>
           <a:p>
             <a:r>
-              <a:rPr lang="en-US" smtClean="0"/>
+              <a:rPr lang="en-US"/>
               <a:t>Click to edit Master title style</a:t>
             </a:r>
-            <a:endParaRPr lang="en-US"/>
           </a:p>
         </p:txBody>
       </p:sp>
@@ -2758,7 +2739,7 @@
                 </a:solidFill>
               </a:rPr>
               <a:pPr/>
-              <a:t>3/10/2022</a:t>
+              <a:t>4/2/22</a:t>
             </a:fld>
             <a:endParaRPr lang="en-US">
               <a:solidFill>
@@ -2885,7 +2866,7 @@
                 </a:solidFill>
               </a:rPr>
               <a:pPr/>
-              <a:t>3/10/2022</a:t>
+              <a:t>4/2/22</a:t>
             </a:fld>
             <a:endParaRPr lang="en-US">
               <a:solidFill>
@@ -3013,10 +2994,9 @@
           </a:lstStyle>
           <a:p>
             <a:r>
-              <a:rPr lang="en-US" smtClean="0"/>
+              <a:rPr lang="en-US"/>
               <a:t>Click to edit Master title style</a:t>
             </a:r>
-            <a:endParaRPr lang="en-US"/>
           </a:p>
         </p:txBody>
       </p:sp>
@@ -3070,38 +3050,37 @@
           <a:p>
             <a:pPr lvl="0"/>
             <a:r>
-              <a:rPr lang="en-US" smtClean="0"/>
+              <a:rPr lang="en-US"/>
               <a:t>Click to edit Master text styles</a:t>
             </a:r>
           </a:p>
           <a:p>
             <a:pPr lvl="1"/>
             <a:r>
-              <a:rPr lang="en-US" smtClean="0"/>
+              <a:rPr lang="en-US"/>
               <a:t>Second level</a:t>
             </a:r>
           </a:p>
           <a:p>
             <a:pPr lvl="2"/>
             <a:r>
-              <a:rPr lang="en-US" smtClean="0"/>
+              <a:rPr lang="en-US"/>
               <a:t>Third level</a:t>
             </a:r>
           </a:p>
           <a:p>
             <a:pPr lvl="3"/>
             <a:r>
-              <a:rPr lang="en-US" smtClean="0"/>
+              <a:rPr lang="en-US"/>
               <a:t>Fourth level</a:t>
             </a:r>
           </a:p>
           <a:p>
             <a:pPr lvl="4"/>
             <a:r>
-              <a:rPr lang="en-US" smtClean="0"/>
+              <a:rPr lang="en-US"/>
               <a:t>Fifth level</a:t>
             </a:r>
-            <a:endParaRPr lang="en-US"/>
           </a:p>
         </p:txBody>
       </p:sp>
@@ -3164,7 +3143,7 @@
           <a:p>
             <a:pPr lvl="0"/>
             <a:r>
-              <a:rPr lang="en-US" smtClean="0"/>
+              <a:rPr lang="en-US"/>
               <a:t>Click to edit Master text styles</a:t>
             </a:r>
           </a:p>
@@ -3194,7 +3173,7 @@
                 </a:solidFill>
               </a:rPr>
               <a:pPr/>
-              <a:t>3/10/2022</a:t>
+              <a:t>4/2/22</a:t>
             </a:fld>
             <a:endParaRPr lang="en-US">
               <a:solidFill>
@@ -3322,10 +3301,9 @@
           </a:lstStyle>
           <a:p>
             <a:r>
-              <a:rPr lang="en-US" smtClean="0"/>
+              <a:rPr lang="en-US"/>
               <a:t>Click to edit Master title style</a:t>
             </a:r>
-            <a:endParaRPr lang="en-US"/>
           </a:p>
         </p:txBody>
       </p:sp>
@@ -3449,7 +3427,7 @@
           <a:p>
             <a:pPr lvl="0"/>
             <a:r>
-              <a:rPr lang="en-US" smtClean="0"/>
+              <a:rPr lang="en-US"/>
               <a:t>Click to edit Master text styles</a:t>
             </a:r>
           </a:p>
@@ -3479,7 +3457,7 @@
                 </a:solidFill>
               </a:rPr>
               <a:pPr/>
-              <a:t>3/10/2022</a:t>
+              <a:t>4/2/22</a:t>
             </a:fld>
             <a:endParaRPr lang="en-US">
               <a:solidFill>
@@ -3613,10 +3591,9 @@
           <a:lstStyle/>
           <a:p>
             <a:r>
-              <a:rPr lang="en-US" smtClean="0"/>
+              <a:rPr lang="en-US"/>
               <a:t>Click to edit Master title style</a:t>
             </a:r>
-            <a:endParaRPr lang="en-US"/>
           </a:p>
         </p:txBody>
       </p:sp>
@@ -3647,38 +3624,37 @@
           <a:p>
             <a:pPr lvl="0"/>
             <a:r>
-              <a:rPr lang="en-US" smtClean="0"/>
+              <a:rPr lang="en-US"/>
               <a:t>Click to edit Master text styles</a:t>
             </a:r>
           </a:p>
           <a:p>
             <a:pPr lvl="1"/>
             <a:r>
-              <a:rPr lang="en-US" smtClean="0"/>
+              <a:rPr lang="en-US"/>
               <a:t>Second level</a:t>
             </a:r>
           </a:p>
           <a:p>
             <a:pPr lvl="2"/>
             <a:r>
-              <a:rPr lang="en-US" smtClean="0"/>
+              <a:rPr lang="en-US"/>
               <a:t>Third level</a:t>
             </a:r>
           </a:p>
           <a:p>
             <a:pPr lvl="3"/>
             <a:r>
-              <a:rPr lang="en-US" smtClean="0"/>
+              <a:rPr lang="en-US"/>
               <a:t>Fourth level</a:t>
             </a:r>
           </a:p>
           <a:p>
             <a:pPr lvl="4"/>
             <a:r>
-              <a:rPr lang="en-US" smtClean="0"/>
+              <a:rPr lang="en-US"/>
               <a:t>Fifth level</a:t>
             </a:r>
-            <a:endParaRPr lang="en-US"/>
           </a:p>
         </p:txBody>
       </p:sp>
@@ -3724,7 +3700,7 @@
                 </a:solidFill>
               </a:rPr>
               <a:pPr/>
-              <a:t>3/10/2022</a:t>
+              <a:t>4/2/22</a:t>
             </a:fld>
             <a:endParaRPr lang="en-US">
               <a:solidFill>
@@ -4141,10 +4117,9 @@
           <a:lstStyle/>
           <a:p>
             <a:r>
-              <a:rPr lang="en-IN" dirty="0" smtClean="0"/>
+              <a:rPr lang="en-IN" dirty="0"/>
               <a:t>Cluster Evaluation</a:t>
             </a:r>
-            <a:endParaRPr lang="en-IN" dirty="0"/>
           </a:p>
         </p:txBody>
       </p:sp>
@@ -4158,13 +4133,6 @@
   <p:clrMapOvr>
     <a:masterClrMapping/>
   </p:clrMapOvr>
-  <p:timing>
-    <p:tnLst>
-      <p:par>
-        <p:cTn id="1" dur="indefinite" restart="never" nodeType="tmRoot"/>
-      </p:par>
-    </p:tnLst>
-  </p:timing>
 </p:sld>
 </file>
 
@@ -4200,7 +4168,10 @@
           <a:bodyPr/>
           <a:lstStyle/>
           <a:p>
-            <a:endParaRPr lang="en-IN"/>
+            <a:r>
+              <a:rPr lang="en-IN" dirty="0"/>
+              <a:t>Validity Index</a:t>
+            </a:r>
           </a:p>
         </p:txBody>
       </p:sp>
@@ -4219,51 +4190,49 @@
           <a:bodyPr/>
           <a:lstStyle/>
           <a:p>
-            <a:endParaRPr lang="en-IN"/>
-          </a:p>
-        </p:txBody>
-      </p:sp>
-      <p:pic>
-        <p:nvPicPr>
-          <p:cNvPr id="5" name="Picture 4"/>
-          <p:cNvPicPr>
-            <a:picLocks noChangeAspect="1"/>
-          </p:cNvPicPr>
-          <p:nvPr/>
-        </p:nvPicPr>
-        <p:blipFill>
-          <a:blip r:embed="rId2"/>
-          <a:stretch>
-            <a:fillRect/>
-          </a:stretch>
-        </p:blipFill>
-        <p:spPr>
-          <a:xfrm>
-            <a:off x="107504" y="14844"/>
-            <a:ext cx="8824355" cy="6142062"/>
-          </a:xfrm>
-          <a:prstGeom prst="rect">
-            <a:avLst/>
-          </a:prstGeom>
-        </p:spPr>
-      </p:pic>
+            <a:r>
+              <a:rPr lang="en-US" dirty="0"/>
+              <a:t>1.Validity based o Intra and Inter Cluster   </a:t>
+            </a:r>
+          </a:p>
+          <a:p>
+            <a:pPr marL="0" indent="0">
+              <a:buNone/>
+            </a:pPr>
+            <a:r>
+              <a:rPr lang="en-US" dirty="0"/>
+              <a:t>       Distance Ratio</a:t>
+            </a:r>
+          </a:p>
+          <a:p>
+            <a:r>
+              <a:rPr lang="en-US" dirty="0"/>
+              <a:t>2.Gain</a:t>
+            </a:r>
+          </a:p>
+          <a:p>
+            <a:r>
+              <a:rPr lang="en-US" dirty="0"/>
+              <a:t>3.Silhoutte Co-</a:t>
+            </a:r>
+            <a:r>
+              <a:rPr lang="en-US" dirty="0" err="1"/>
+              <a:t>efficeient</a:t>
+            </a:r>
+            <a:endParaRPr lang="en-IN" dirty="0"/>
+          </a:p>
+        </p:txBody>
+      </p:sp>
     </p:spTree>
     <p:extLst>
       <p:ext uri="{BB962C8B-B14F-4D97-AF65-F5344CB8AC3E}">
-        <p14:creationId xmlns:p14="http://schemas.microsoft.com/office/powerpoint/2010/main" val="2848006139"/>
+        <p14:creationId xmlns:p14="http://schemas.microsoft.com/office/powerpoint/2010/main" val="1087244692"/>
       </p:ext>
     </p:extLst>
   </p:cSld>
   <p:clrMapOvr>
     <a:masterClrMapping/>
   </p:clrMapOvr>
-  <p:timing>
-    <p:tnLst>
-      <p:par>
-        <p:cTn id="1" dur="indefinite" restart="never" nodeType="tmRoot"/>
-      </p:par>
-    </p:tnLst>
-  </p:timing>
 </p:sld>
 </file>
 
@@ -4296,90 +4265,115 @@
         </p:nvSpPr>
         <p:spPr/>
         <p:txBody>
-          <a:bodyPr/>
-          <a:lstStyle/>
-          <a:p>
-            <a:r>
-              <a:rPr lang="en-IN" dirty="0" smtClean="0"/>
-              <a:t>Validity Index</a:t>
-            </a:r>
-            <a:endParaRPr lang="en-IN" dirty="0"/>
-          </a:p>
-        </p:txBody>
-      </p:sp>
-      <p:sp>
-        <p:nvSpPr>
-          <p:cNvPr id="3" name="Content Placeholder 2"/>
-          <p:cNvSpPr>
-            <a:spLocks noGrp="1"/>
-          </p:cNvSpPr>
-          <p:nvPr>
-            <p:ph idx="1"/>
-          </p:nvPr>
-        </p:nvSpPr>
-        <p:spPr/>
-        <p:txBody>
-          <a:bodyPr/>
-          <a:lstStyle/>
-          <a:p>
-            <a:r>
-              <a:rPr lang="en-US" dirty="0"/>
-              <a:t>1.Validity based o Intra and Inter Cluster </a:t>
-            </a:r>
-            <a:r>
-              <a:rPr lang="en-US" dirty="0" smtClean="0"/>
-              <a:t>  </a:t>
-            </a:r>
-          </a:p>
-          <a:p>
-            <a:pPr marL="0" indent="0">
-              <a:buNone/>
-            </a:pPr>
-            <a:r>
-              <a:rPr lang="en-US" dirty="0" smtClean="0"/>
-              <a:t>       Distance </a:t>
-            </a:r>
-            <a:r>
-              <a:rPr lang="en-US" dirty="0"/>
-              <a:t>Ratio</a:t>
-            </a:r>
-          </a:p>
-          <a:p>
-            <a:r>
-              <a:rPr lang="en-US" dirty="0"/>
-              <a:t>2.Gain</a:t>
-            </a:r>
-          </a:p>
-          <a:p>
-            <a:r>
-              <a:rPr lang="en-US" dirty="0"/>
-              <a:t>3.Silhoutte Co-</a:t>
-            </a:r>
-            <a:r>
-              <a:rPr lang="en-US" dirty="0" err="1"/>
-              <a:t>efficeient</a:t>
-            </a:r>
-            <a:endParaRPr lang="en-IN" dirty="0"/>
-          </a:p>
-        </p:txBody>
-      </p:sp>
+          <a:bodyPr>
+            <a:normAutofit fontScale="90000"/>
+          </a:bodyPr>
+          <a:lstStyle/>
+          <a:p>
+            <a:r>
+              <a:rPr lang="en-IN" dirty="0"/>
+              <a:t>Validity based on Intra and Inter Cluster Distance</a:t>
+            </a:r>
+          </a:p>
+        </p:txBody>
+      </p:sp>
+      <p:sp>
+        <p:nvSpPr>
+          <p:cNvPr id="4" name="AutoShape 2" descr="Intra-cluster distances vs inter-cluster distances | Download Scientific  Diagram"/>
+          <p:cNvSpPr>
+            <a:spLocks noChangeAspect="1" noChangeArrowheads="1"/>
+          </p:cNvSpPr>
+          <p:nvPr/>
+        </p:nvSpPr>
+        <p:spPr bwMode="auto">
+          <a:xfrm>
+            <a:off x="155575" y="-144463"/>
+            <a:ext cx="304800" cy="304801"/>
+          </a:xfrm>
+          <a:prstGeom prst="rect">
+            <a:avLst/>
+          </a:prstGeom>
+          <a:noFill/>
+          <a:extLst>
+            <a:ext uri="{909E8E84-426E-40DD-AFC4-6F175D3DCCD1}">
+              <a14:hiddenFill xmlns:a14="http://schemas.microsoft.com/office/drawing/2010/main">
+                <a:solidFill>
+                  <a:srgbClr val="FFFFFF"/>
+                </a:solidFill>
+              </a14:hiddenFill>
+            </a:ext>
+          </a:extLst>
+        </p:spPr>
+        <p:txBody>
+          <a:bodyPr vert="horz" wrap="square" lIns="91440" tIns="45720" rIns="91440" bIns="45720" numCol="1" anchor="t" anchorCtr="0" compatLnSpc="1">
+            <a:prstTxWarp prst="textNoShape">
+              <a:avLst/>
+            </a:prstTxWarp>
+          </a:bodyPr>
+          <a:lstStyle/>
+          <a:p>
+            <a:endParaRPr lang="en-IN"/>
+          </a:p>
+        </p:txBody>
+      </p:sp>
+      <p:pic>
+        <p:nvPicPr>
+          <p:cNvPr id="5" name="Picture 4"/>
+          <p:cNvPicPr>
+            <a:picLocks noChangeAspect="1"/>
+          </p:cNvPicPr>
+          <p:nvPr/>
+        </p:nvPicPr>
+        <p:blipFill>
+          <a:blip r:embed="rId2"/>
+          <a:stretch>
+            <a:fillRect/>
+          </a:stretch>
+        </p:blipFill>
+        <p:spPr>
+          <a:xfrm>
+            <a:off x="2576713" y="1414029"/>
+            <a:ext cx="6567287" cy="3904264"/>
+          </a:xfrm>
+          <a:prstGeom prst="rect">
+            <a:avLst/>
+          </a:prstGeom>
+        </p:spPr>
+      </p:pic>
+      <p:pic>
+        <p:nvPicPr>
+          <p:cNvPr id="6" name="Picture 5"/>
+          <p:cNvPicPr>
+            <a:picLocks noChangeAspect="1"/>
+          </p:cNvPicPr>
+          <p:nvPr/>
+        </p:nvPicPr>
+        <p:blipFill>
+          <a:blip r:embed="rId3"/>
+          <a:stretch>
+            <a:fillRect/>
+          </a:stretch>
+        </p:blipFill>
+        <p:spPr>
+          <a:xfrm>
+            <a:off x="457200" y="5143500"/>
+            <a:ext cx="6734175" cy="1714500"/>
+          </a:xfrm>
+          <a:prstGeom prst="rect">
+            <a:avLst/>
+          </a:prstGeom>
+        </p:spPr>
+      </p:pic>
     </p:spTree>
     <p:extLst>
       <p:ext uri="{BB962C8B-B14F-4D97-AF65-F5344CB8AC3E}">
-        <p14:creationId xmlns:p14="http://schemas.microsoft.com/office/powerpoint/2010/main" val="1087244692"/>
+        <p14:creationId xmlns:p14="http://schemas.microsoft.com/office/powerpoint/2010/main" val="3148034429"/>
       </p:ext>
     </p:extLst>
   </p:cSld>
   <p:clrMapOvr>
     <a:masterClrMapping/>
   </p:clrMapOvr>
-  <p:timing>
-    <p:tnLst>
-      <p:par>
-        <p:cTn id="1" dur="indefinite" restart="never" nodeType="tmRoot"/>
-      </p:par>
-    </p:tnLst>
-  </p:timing>
 </p:sld>
 </file>
 
@@ -4412,123 +4406,168 @@
         </p:nvSpPr>
         <p:spPr/>
         <p:txBody>
+          <a:bodyPr/>
+          <a:lstStyle/>
+          <a:p>
+            <a:r>
+              <a:rPr lang="en-IN" dirty="0"/>
+              <a:t>Validity Index</a:t>
+            </a:r>
+          </a:p>
+        </p:txBody>
+      </p:sp>
+      <p:sp>
+        <p:nvSpPr>
+          <p:cNvPr id="3" name="Content Placeholder 2"/>
+          <p:cNvSpPr>
+            <a:spLocks noGrp="1"/>
+          </p:cNvSpPr>
+          <p:nvPr>
+            <p:ph idx="1"/>
+          </p:nvPr>
+        </p:nvSpPr>
+        <p:spPr/>
+        <p:txBody>
           <a:bodyPr>
-            <a:normAutofit fontScale="90000"/>
+            <a:normAutofit fontScale="92500" lnSpcReduction="20000"/>
           </a:bodyPr>
           <a:lstStyle/>
           <a:p>
             <a:r>
-              <a:rPr lang="en-IN" dirty="0" smtClean="0"/>
-              <a:t>Validity based on Intra and Inter Cluster Distance</a:t>
-            </a:r>
+              <a:rPr lang="en-IN" dirty="0"/>
+              <a:t>Validity= Intra Cluster Distance /Inter Cluster </a:t>
+            </a:r>
+          </a:p>
+          <a:p>
+            <a:pPr marL="0" indent="0">
+              <a:buNone/>
+            </a:pPr>
+            <a:r>
+              <a:rPr lang="en-IN" dirty="0"/>
+              <a:t>                                                                   Distance</a:t>
+            </a:r>
+          </a:p>
+          <a:p>
+            <a:pPr marL="0" indent="0">
+              <a:buNone/>
+            </a:pPr>
             <a:endParaRPr lang="en-IN" dirty="0"/>
           </a:p>
-        </p:txBody>
-      </p:sp>
-      <p:sp>
-        <p:nvSpPr>
-          <p:cNvPr id="4" name="AutoShape 2" descr="Intra-cluster distances vs inter-cluster distances | Download Scientific  Diagram"/>
-          <p:cNvSpPr>
-            <a:spLocks noChangeAspect="1" noChangeArrowheads="1"/>
-          </p:cNvSpPr>
-          <p:nvPr/>
-        </p:nvSpPr>
-        <p:spPr bwMode="auto">
-          <a:xfrm>
-            <a:off x="155575" y="-144463"/>
-            <a:ext cx="304800" cy="304801"/>
-          </a:xfrm>
-          <a:prstGeom prst="rect">
-            <a:avLst/>
-          </a:prstGeom>
-          <a:noFill/>
-          <a:extLst>
-            <a:ext uri="{909E8E84-426E-40DD-AFC4-6F175D3DCCD1}">
-              <a14:hiddenFill xmlns:a14="http://schemas.microsoft.com/office/drawing/2010/main">
-                <a:solidFill>
-                  <a:srgbClr val="FFFFFF"/>
-                </a:solidFill>
-              </a14:hiddenFill>
-            </a:ext>
-          </a:extLst>
-        </p:spPr>
-        <p:txBody>
-          <a:bodyPr vert="horz" wrap="square" lIns="91440" tIns="45720" rIns="91440" bIns="45720" numCol="1" anchor="t" anchorCtr="0" compatLnSpc="1">
-            <a:prstTxWarp prst="textNoShape">
-              <a:avLst/>
-            </a:prstTxWarp>
-          </a:bodyPr>
-          <a:lstStyle/>
-          <a:p>
-            <a:endParaRPr lang="en-IN"/>
-          </a:p>
-        </p:txBody>
-      </p:sp>
-      <p:pic>
-        <p:nvPicPr>
-          <p:cNvPr id="5" name="Picture 4"/>
-          <p:cNvPicPr>
-            <a:picLocks noChangeAspect="1"/>
-          </p:cNvPicPr>
-          <p:nvPr/>
-        </p:nvPicPr>
-        <p:blipFill>
-          <a:blip r:embed="rId2"/>
-          <a:stretch>
-            <a:fillRect/>
-          </a:stretch>
-        </p:blipFill>
-        <p:spPr>
-          <a:xfrm>
-            <a:off x="2576713" y="1414029"/>
-            <a:ext cx="6567287" cy="3904264"/>
-          </a:xfrm>
-          <a:prstGeom prst="rect">
-            <a:avLst/>
-          </a:prstGeom>
-        </p:spPr>
-      </p:pic>
-      <p:pic>
-        <p:nvPicPr>
-          <p:cNvPr id="6" name="Picture 5"/>
-          <p:cNvPicPr>
-            <a:picLocks noChangeAspect="1"/>
-          </p:cNvPicPr>
-          <p:nvPr/>
-        </p:nvPicPr>
-        <p:blipFill>
-          <a:blip r:embed="rId3"/>
-          <a:stretch>
-            <a:fillRect/>
-          </a:stretch>
-        </p:blipFill>
-        <p:spPr>
-          <a:xfrm>
-            <a:off x="457200" y="5143500"/>
-            <a:ext cx="6734175" cy="1714500"/>
-          </a:xfrm>
-          <a:prstGeom prst="rect">
-            <a:avLst/>
-          </a:prstGeom>
-        </p:spPr>
-      </p:pic>
+          <a:p>
+            <a:pPr marL="0" indent="0">
+              <a:buNone/>
+            </a:pPr>
+            <a:r>
+              <a:rPr lang="en-US" dirty="0"/>
+              <a:t>Intra=1/n Sum(Sum(</a:t>
+            </a:r>
+            <a:r>
+              <a:rPr lang="en-US" dirty="0" err="1"/>
+              <a:t>dist</a:t>
+            </a:r>
+            <a:r>
+              <a:rPr lang="en-US" dirty="0"/>
+              <a:t>(</a:t>
+            </a:r>
+            <a:r>
+              <a:rPr lang="en-US" dirty="0" err="1"/>
+              <a:t>x,ci</a:t>
+            </a:r>
+            <a:r>
+              <a:rPr lang="en-US" dirty="0"/>
+              <a:t>))</a:t>
+            </a:r>
+          </a:p>
+          <a:p>
+            <a:pPr marL="0" indent="0">
+              <a:buNone/>
+            </a:pPr>
+            <a:r>
+              <a:rPr lang="en-US" dirty="0"/>
+              <a:t>Inter=For every cluster </a:t>
+            </a:r>
+            <a:r>
+              <a:rPr lang="en-US" dirty="0" err="1"/>
+              <a:t>i</a:t>
+            </a:r>
+            <a:r>
+              <a:rPr lang="en-US" dirty="0"/>
+              <a:t> and j find Min(</a:t>
+            </a:r>
+            <a:r>
+              <a:rPr lang="en-US" dirty="0" err="1"/>
+              <a:t>dist</a:t>
+            </a:r>
+            <a:r>
+              <a:rPr lang="en-US" dirty="0"/>
+              <a:t>(</a:t>
+            </a:r>
+            <a:r>
+              <a:rPr lang="en-US" dirty="0" err="1"/>
+              <a:t>ci,cj</a:t>
+            </a:r>
+            <a:r>
+              <a:rPr lang="en-US" dirty="0"/>
+              <a:t>))</a:t>
+            </a:r>
+          </a:p>
+          <a:p>
+            <a:pPr marL="0" indent="0">
+              <a:buNone/>
+            </a:pPr>
+            <a:r>
+              <a:rPr lang="en-US" dirty="0"/>
+              <a:t>n=number of data points</a:t>
+            </a:r>
+          </a:p>
+          <a:p>
+            <a:pPr marL="0" indent="0">
+              <a:buNone/>
+            </a:pPr>
+            <a:r>
+              <a:rPr lang="en-US" dirty="0"/>
+              <a:t>k=no of cluster</a:t>
+            </a:r>
+          </a:p>
+          <a:p>
+            <a:pPr marL="0" indent="0">
+              <a:buNone/>
+            </a:pPr>
+            <a:r>
+              <a:rPr lang="en-US" dirty="0"/>
+              <a:t>ci-center of </a:t>
+            </a:r>
+            <a:r>
+              <a:rPr lang="en-US" dirty="0" err="1"/>
+              <a:t>ith</a:t>
+            </a:r>
+            <a:r>
+              <a:rPr lang="en-US" dirty="0"/>
+              <a:t> Cluster</a:t>
+            </a:r>
+          </a:p>
+          <a:p>
+            <a:pPr marL="0" indent="0">
+              <a:buNone/>
+            </a:pPr>
+            <a:r>
+              <a:rPr lang="en-US" dirty="0"/>
+              <a:t>x= data point </a:t>
+            </a:r>
+            <a:endParaRPr lang="en-IN" dirty="0"/>
+          </a:p>
+        </p:txBody>
+      </p:sp>
     </p:spTree>
     <p:extLst>
       <p:ext uri="{BB962C8B-B14F-4D97-AF65-F5344CB8AC3E}">
-        <p14:creationId xmlns:p14="http://schemas.microsoft.com/office/powerpoint/2010/main" val="3148034429"/>
+        <p14:creationId xmlns:p14="http://schemas.microsoft.com/office/powerpoint/2010/main" val="3720324859"/>
       </p:ext>
     </p:extLst>
   </p:cSld>
   <p:clrMapOvr>
     <a:masterClrMapping/>
   </p:clrMapOvr>
-  <p:timing>
-    <p:tnLst>
-      <p:par>
-        <p:cTn id="1" dur="indefinite" restart="never" nodeType="tmRoot"/>
-      </p:par>
-    </p:tnLst>
-  </p:timing>
 </p:sld>
 </file>
 
@@ -4564,216 +4603,6 @@
           <a:bodyPr/>
           <a:lstStyle/>
           <a:p>
-            <a:r>
-              <a:rPr lang="en-IN" dirty="0" smtClean="0"/>
-              <a:t>Validity Index</a:t>
-            </a:r>
-            <a:endParaRPr lang="en-IN" dirty="0"/>
-          </a:p>
-        </p:txBody>
-      </p:sp>
-      <p:sp>
-        <p:nvSpPr>
-          <p:cNvPr id="3" name="Content Placeholder 2"/>
-          <p:cNvSpPr>
-            <a:spLocks noGrp="1"/>
-          </p:cNvSpPr>
-          <p:nvPr>
-            <p:ph idx="1"/>
-          </p:nvPr>
-        </p:nvSpPr>
-        <p:spPr/>
-        <p:txBody>
-          <a:bodyPr>
-            <a:normAutofit fontScale="92500" lnSpcReduction="20000"/>
-          </a:bodyPr>
-          <a:lstStyle/>
-          <a:p>
-            <a:r>
-              <a:rPr lang="en-IN" dirty="0"/>
-              <a:t>Validity= </a:t>
-            </a:r>
-            <a:r>
-              <a:rPr lang="en-IN" dirty="0" smtClean="0"/>
-              <a:t>Intra Cluster Distance /Inter Cluster </a:t>
-            </a:r>
-          </a:p>
-          <a:p>
-            <a:pPr marL="0" indent="0">
-              <a:buNone/>
-            </a:pPr>
-            <a:r>
-              <a:rPr lang="en-IN" dirty="0"/>
-              <a:t> </a:t>
-            </a:r>
-            <a:r>
-              <a:rPr lang="en-IN" dirty="0" smtClean="0"/>
-              <a:t>                                                                  Distance</a:t>
-            </a:r>
-          </a:p>
-          <a:p>
-            <a:pPr marL="0" indent="0">
-              <a:buNone/>
-            </a:pPr>
-            <a:endParaRPr lang="en-IN" dirty="0"/>
-          </a:p>
-          <a:p>
-            <a:pPr marL="0" indent="0">
-              <a:buNone/>
-            </a:pPr>
-            <a:r>
-              <a:rPr lang="en-US" dirty="0"/>
-              <a:t>Intra=1/n Sum(Sum(</a:t>
-            </a:r>
-            <a:r>
-              <a:rPr lang="en-US" dirty="0" err="1"/>
-              <a:t>dist</a:t>
-            </a:r>
-            <a:r>
-              <a:rPr lang="en-US" dirty="0"/>
-              <a:t>(</a:t>
-            </a:r>
-            <a:r>
-              <a:rPr lang="en-US" dirty="0" err="1"/>
-              <a:t>x,ci</a:t>
-            </a:r>
-            <a:r>
-              <a:rPr lang="en-US" dirty="0"/>
-              <a:t>))</a:t>
-            </a:r>
-          </a:p>
-          <a:p>
-            <a:pPr marL="0" indent="0">
-              <a:buNone/>
-            </a:pPr>
-            <a:r>
-              <a:rPr lang="en-US" dirty="0"/>
-              <a:t>Inter=For every cluster </a:t>
-            </a:r>
-            <a:r>
-              <a:rPr lang="en-US" dirty="0" err="1"/>
-              <a:t>i</a:t>
-            </a:r>
-            <a:r>
-              <a:rPr lang="en-US" dirty="0"/>
-              <a:t> and j find Min(</a:t>
-            </a:r>
-            <a:r>
-              <a:rPr lang="en-US" dirty="0" err="1"/>
-              <a:t>dist</a:t>
-            </a:r>
-            <a:r>
-              <a:rPr lang="en-US" dirty="0"/>
-              <a:t>(</a:t>
-            </a:r>
-            <a:r>
-              <a:rPr lang="en-US" dirty="0" err="1"/>
-              <a:t>ci,cj</a:t>
-            </a:r>
-            <a:r>
-              <a:rPr lang="en-US" dirty="0"/>
-              <a:t>))</a:t>
-            </a:r>
-          </a:p>
-          <a:p>
-            <a:pPr marL="0" indent="0">
-              <a:buNone/>
-            </a:pPr>
-            <a:r>
-              <a:rPr lang="en-US" dirty="0"/>
-              <a:t>n=number of data points</a:t>
-            </a:r>
-          </a:p>
-          <a:p>
-            <a:pPr marL="0" indent="0">
-              <a:buNone/>
-            </a:pPr>
-            <a:r>
-              <a:rPr lang="en-US" dirty="0"/>
-              <a:t>k=no of cluster</a:t>
-            </a:r>
-          </a:p>
-          <a:p>
-            <a:pPr marL="0" indent="0">
-              <a:buNone/>
-            </a:pPr>
-            <a:r>
-              <a:rPr lang="en-US" dirty="0"/>
-              <a:t>ci-center of </a:t>
-            </a:r>
-            <a:r>
-              <a:rPr lang="en-US" dirty="0" err="1"/>
-              <a:t>ith</a:t>
-            </a:r>
-            <a:r>
-              <a:rPr lang="en-US" dirty="0"/>
-              <a:t> Cluster</a:t>
-            </a:r>
-          </a:p>
-          <a:p>
-            <a:pPr marL="0" indent="0">
-              <a:buNone/>
-            </a:pPr>
-            <a:r>
-              <a:rPr lang="en-US" dirty="0"/>
-              <a:t>x= data point </a:t>
-            </a:r>
-            <a:endParaRPr lang="en-IN" dirty="0"/>
-          </a:p>
-        </p:txBody>
-      </p:sp>
-    </p:spTree>
-    <p:extLst>
-      <p:ext uri="{BB962C8B-B14F-4D97-AF65-F5344CB8AC3E}">
-        <p14:creationId xmlns:p14="http://schemas.microsoft.com/office/powerpoint/2010/main" val="3720324859"/>
-      </p:ext>
-    </p:extLst>
-  </p:cSld>
-  <p:clrMapOvr>
-    <a:masterClrMapping/>
-  </p:clrMapOvr>
-  <p:timing>
-    <p:tnLst>
-      <p:par>
-        <p:cTn id="1" dur="indefinite" restart="never" nodeType="tmRoot"/>
-      </p:par>
-    </p:tnLst>
-  </p:timing>
-</p:sld>
-</file>
-
-<file path=ppt/slides/slide14.xml><?xml version="1.0" encoding="utf-8"?>
-<p:sld xmlns:a="http://schemas.openxmlformats.org/drawingml/2006/main" xmlns:r="http://schemas.openxmlformats.org/officeDocument/2006/relationships" xmlns:p="http://schemas.openxmlformats.org/presentationml/2006/main">
-  <p:cSld>
-    <p:spTree>
-      <p:nvGrpSpPr>
-        <p:cNvPr id="1" name=""/>
-        <p:cNvGrpSpPr/>
-        <p:nvPr/>
-      </p:nvGrpSpPr>
-      <p:grpSpPr>
-        <a:xfrm>
-          <a:off x="0" y="0"/>
-          <a:ext cx="0" cy="0"/>
-          <a:chOff x="0" y="0"/>
-          <a:chExt cx="0" cy="0"/>
-        </a:xfrm>
-      </p:grpSpPr>
-      <p:sp>
-        <p:nvSpPr>
-          <p:cNvPr id="2" name="Title 1"/>
-          <p:cNvSpPr>
-            <a:spLocks noGrp="1"/>
-          </p:cNvSpPr>
-          <p:nvPr>
-            <p:ph type="title"/>
-          </p:nvPr>
-        </p:nvSpPr>
-        <p:spPr/>
-        <p:txBody>
-          <a:bodyPr/>
-          <a:lstStyle/>
-          <a:p>
             <a:endParaRPr lang="en-IN"/>
           </a:p>
         </p:txBody>
@@ -4831,17 +4660,10 @@
   <p:clrMapOvr>
     <a:masterClrMapping/>
   </p:clrMapOvr>
-  <p:timing>
-    <p:tnLst>
-      <p:par>
-        <p:cTn id="1" dur="indefinite" restart="never" nodeType="tmRoot"/>
-      </p:par>
-    </p:tnLst>
-  </p:timing>
 </p:sld>
 </file>
 
-<file path=ppt/slides/slide15.xml><?xml version="1.0" encoding="utf-8"?>
+<file path=ppt/slides/slide14.xml><?xml version="1.0" encoding="utf-8"?>
 <p:sld xmlns:a="http://schemas.openxmlformats.org/drawingml/2006/main" xmlns:r="http://schemas.openxmlformats.org/officeDocument/2006/relationships" xmlns:p="http://schemas.openxmlformats.org/presentationml/2006/main">
   <p:cSld>
     <p:spTree>
@@ -5080,13 +4902,138 @@
   <p:clrMapOvr>
     <a:masterClrMapping/>
   </p:clrMapOvr>
-  <p:timing>
-    <p:tnLst>
-      <p:par>
-        <p:cTn id="1" dur="indefinite" restart="never" nodeType="tmRoot"/>
-      </p:par>
-    </p:tnLst>
-  </p:timing>
+</p:sld>
+</file>
+
+<file path=ppt/slides/slide15.xml><?xml version="1.0" encoding="utf-8"?>
+<p:sld xmlns:a="http://schemas.openxmlformats.org/drawingml/2006/main" xmlns:r="http://schemas.openxmlformats.org/officeDocument/2006/relationships" xmlns:p="http://schemas.openxmlformats.org/presentationml/2006/main">
+  <p:cSld>
+    <p:spTree>
+      <p:nvGrpSpPr>
+        <p:cNvPr id="1" name=""/>
+        <p:cNvGrpSpPr/>
+        <p:nvPr/>
+      </p:nvGrpSpPr>
+      <p:grpSpPr>
+        <a:xfrm>
+          <a:off x="0" y="0"/>
+          <a:ext cx="0" cy="0"/>
+          <a:chOff x="0" y="0"/>
+          <a:chExt cx="0" cy="0"/>
+        </a:xfrm>
+      </p:grpSpPr>
+      <p:pic>
+        <p:nvPicPr>
+          <p:cNvPr id="4" name="Picture 3"/>
+          <p:cNvPicPr>
+            <a:picLocks noChangeAspect="1"/>
+          </p:cNvPicPr>
+          <p:nvPr/>
+        </p:nvPicPr>
+        <p:blipFill>
+          <a:blip r:embed="rId2"/>
+          <a:stretch>
+            <a:fillRect/>
+          </a:stretch>
+        </p:blipFill>
+        <p:spPr>
+          <a:xfrm>
+            <a:off x="14041" y="2132856"/>
+            <a:ext cx="4277924" cy="1175085"/>
+          </a:xfrm>
+          <a:prstGeom prst="rect">
+            <a:avLst/>
+          </a:prstGeom>
+        </p:spPr>
+      </p:pic>
+      <p:pic>
+        <p:nvPicPr>
+          <p:cNvPr id="5" name="Picture 4"/>
+          <p:cNvPicPr>
+            <a:picLocks noChangeAspect="1"/>
+          </p:cNvPicPr>
+          <p:nvPr/>
+        </p:nvPicPr>
+        <p:blipFill>
+          <a:blip r:embed="rId3"/>
+          <a:stretch>
+            <a:fillRect/>
+          </a:stretch>
+        </p:blipFill>
+        <p:spPr>
+          <a:xfrm>
+            <a:off x="0" y="3501008"/>
+            <a:ext cx="6480720" cy="1282782"/>
+          </a:xfrm>
+          <a:prstGeom prst="rect">
+            <a:avLst/>
+          </a:prstGeom>
+        </p:spPr>
+      </p:pic>
+      <p:sp>
+        <p:nvSpPr>
+          <p:cNvPr id="6" name="Rectangle 5"/>
+          <p:cNvSpPr/>
+          <p:nvPr/>
+        </p:nvSpPr>
+        <p:spPr>
+          <a:xfrm>
+            <a:off x="380459" y="241391"/>
+            <a:ext cx="2016224" cy="707886"/>
+          </a:xfrm>
+          <a:prstGeom prst="rect">
+            <a:avLst/>
+          </a:prstGeom>
+        </p:spPr>
+        <p:txBody>
+          <a:bodyPr wrap="square">
+            <a:spAutoFit/>
+          </a:bodyPr>
+          <a:lstStyle/>
+          <a:p>
+            <a:r>
+              <a:rPr lang="en-IN" sz="4000" dirty="0">
+                <a:latin typeface="Arial Black" panose="020B0A04020102020204" pitchFamily="34" charset="0"/>
+              </a:rPr>
+              <a:t>Gain</a:t>
+            </a:r>
+          </a:p>
+        </p:txBody>
+      </p:sp>
+      <p:pic>
+        <p:nvPicPr>
+          <p:cNvPr id="7" name="Picture 6"/>
+          <p:cNvPicPr>
+            <a:picLocks noChangeAspect="1"/>
+          </p:cNvPicPr>
+          <p:nvPr/>
+        </p:nvPicPr>
+        <p:blipFill>
+          <a:blip r:embed="rId4"/>
+          <a:stretch>
+            <a:fillRect/>
+          </a:stretch>
+        </p:blipFill>
+        <p:spPr>
+          <a:xfrm>
+            <a:off x="3744432" y="241390"/>
+            <a:ext cx="5138925" cy="1891465"/>
+          </a:xfrm>
+          <a:prstGeom prst="rect">
+            <a:avLst/>
+          </a:prstGeom>
+        </p:spPr>
+      </p:pic>
+    </p:spTree>
+    <p:extLst>
+      <p:ext uri="{BB962C8B-B14F-4D97-AF65-F5344CB8AC3E}">
+        <p14:creationId xmlns:p14="http://schemas.microsoft.com/office/powerpoint/2010/main" val="1282787879"/>
+      </p:ext>
+    </p:extLst>
+  </p:cSld>
+  <p:clrMapOvr>
+    <a:masterClrMapping/>
+  </p:clrMapOvr>
 </p:sld>
 </file>
 
@@ -5123,17 +5070,144 @@
         </p:blipFill>
         <p:spPr>
           <a:xfrm>
-            <a:off x="14041" y="2132856"/>
-            <a:ext cx="4277924" cy="1175085"/>
+            <a:off x="12219" y="260648"/>
+            <a:ext cx="4451722" cy="6250706"/>
           </a:xfrm>
           <a:prstGeom prst="rect">
             <a:avLst/>
           </a:prstGeom>
         </p:spPr>
       </p:pic>
+      <p:sp>
+        <p:nvSpPr>
+          <p:cNvPr id="5" name="Rectangle 4"/>
+          <p:cNvSpPr/>
+          <p:nvPr/>
+        </p:nvSpPr>
+        <p:spPr>
+          <a:xfrm>
+            <a:off x="2051720" y="3645024"/>
+            <a:ext cx="6120680" cy="369332"/>
+          </a:xfrm>
+          <a:prstGeom prst="rect">
+            <a:avLst/>
+          </a:prstGeom>
+        </p:spPr>
+        <p:txBody>
+          <a:bodyPr wrap="square">
+            <a:spAutoFit/>
+          </a:bodyPr>
+          <a:lstStyle/>
+          <a:p>
+            <a:r>
+              <a:rPr lang="en-IN" b="1">
+                <a:solidFill>
+                  <a:srgbClr val="FF0000"/>
+                </a:solidFill>
+              </a:rPr>
+              <a:t>C0=[22.78,20]</a:t>
+            </a:r>
+            <a:endParaRPr lang="en-IN" b="1" dirty="0">
+              <a:solidFill>
+                <a:srgbClr val="FF0000"/>
+              </a:solidFill>
+            </a:endParaRPr>
+          </a:p>
+        </p:txBody>
+      </p:sp>
+      <p:sp>
+        <p:nvSpPr>
+          <p:cNvPr id="6" name="Rectangle 5"/>
+          <p:cNvSpPr/>
+          <p:nvPr/>
+        </p:nvSpPr>
+        <p:spPr>
+          <a:xfrm>
+            <a:off x="2109407" y="5517231"/>
+            <a:ext cx="6768752" cy="707886"/>
+          </a:xfrm>
+          <a:prstGeom prst="rect">
+            <a:avLst/>
+          </a:prstGeom>
+        </p:spPr>
+        <p:txBody>
+          <a:bodyPr wrap="square">
+            <a:spAutoFit/>
+          </a:bodyPr>
+          <a:lstStyle/>
+          <a:p>
+            <a:r>
+              <a:rPr lang="en-IN" sz="2000" b="1" dirty="0">
+                <a:solidFill>
+                  <a:srgbClr val="FF0000"/>
+                </a:solidFill>
+              </a:rPr>
+              <a:t>Gain=(3-1) </a:t>
+            </a:r>
+            <a:r>
+              <a:rPr lang="en-IN" sz="2000" b="1" dirty="0" err="1">
+                <a:solidFill>
+                  <a:srgbClr val="FF0000"/>
+                </a:solidFill>
+              </a:rPr>
+              <a:t>dist</a:t>
+            </a:r>
+            <a:r>
+              <a:rPr lang="en-IN" sz="2000" b="1" dirty="0">
+                <a:solidFill>
+                  <a:srgbClr val="FF0000"/>
+                </a:solidFill>
+              </a:rPr>
+              <a:t>(C0,C01)+(2-1)*</a:t>
+            </a:r>
+            <a:r>
+              <a:rPr lang="en-IN" sz="2000" b="1" dirty="0" err="1">
+                <a:solidFill>
+                  <a:srgbClr val="FF0000"/>
+                </a:solidFill>
+              </a:rPr>
+              <a:t>dist</a:t>
+            </a:r>
+            <a:r>
+              <a:rPr lang="en-IN" sz="2000" b="1" dirty="0">
+                <a:solidFill>
+                  <a:srgbClr val="FF0000"/>
+                </a:solidFill>
+              </a:rPr>
+              <a:t>(C0,C02)+(4-1)</a:t>
+            </a:r>
+            <a:r>
+              <a:rPr lang="en-IN" sz="2000" b="1" dirty="0" err="1">
+                <a:solidFill>
+                  <a:srgbClr val="FF0000"/>
+                </a:solidFill>
+              </a:rPr>
+              <a:t>dist</a:t>
+            </a:r>
+            <a:r>
+              <a:rPr lang="en-IN" sz="2000" b="1" dirty="0">
+                <a:solidFill>
+                  <a:srgbClr val="FF0000"/>
+                </a:solidFill>
+              </a:rPr>
+              <a:t>(C0,C03)</a:t>
+            </a:r>
+          </a:p>
+          <a:p>
+            <a:r>
+              <a:rPr lang="en-IN" sz="2000" b="1" dirty="0">
+                <a:solidFill>
+                  <a:srgbClr val="FF0000"/>
+                </a:solidFill>
+              </a:rPr>
+              <a:t>    = 146.08</a:t>
+            </a:r>
+          </a:p>
+        </p:txBody>
+      </p:sp>
       <p:pic>
         <p:nvPicPr>
-          <p:cNvPr id="5" name="Picture 4"/>
+          <p:cNvPr id="7" name="Picture 6"/>
           <p:cNvPicPr>
             <a:picLocks noChangeAspect="1"/>
           </p:cNvPicPr>
@@ -5147,47 +5221,17 @@
         </p:blipFill>
         <p:spPr>
           <a:xfrm>
-            <a:off x="0" y="3501008"/>
-            <a:ext cx="6480720" cy="1282782"/>
+            <a:off x="4283968" y="4137720"/>
+            <a:ext cx="3239314" cy="889794"/>
           </a:xfrm>
           <a:prstGeom prst="rect">
             <a:avLst/>
           </a:prstGeom>
         </p:spPr>
       </p:pic>
-      <p:sp>
-        <p:nvSpPr>
-          <p:cNvPr id="6" name="Rectangle 5"/>
-          <p:cNvSpPr/>
-          <p:nvPr/>
-        </p:nvSpPr>
-        <p:spPr>
-          <a:xfrm>
-            <a:off x="380459" y="241391"/>
-            <a:ext cx="2016224" cy="707886"/>
-          </a:xfrm>
-          <a:prstGeom prst="rect">
-            <a:avLst/>
-          </a:prstGeom>
-        </p:spPr>
-        <p:txBody>
-          <a:bodyPr wrap="square">
-            <a:spAutoFit/>
-          </a:bodyPr>
-          <a:lstStyle/>
-          <a:p>
-            <a:r>
-              <a:rPr lang="en-IN" sz="4000" dirty="0">
-                <a:latin typeface="Arial Black" panose="020B0A04020102020204" pitchFamily="34" charset="0"/>
-              </a:rPr>
-              <a:t>Gain</a:t>
-            </a:r>
-          </a:p>
-        </p:txBody>
-      </p:sp>
       <p:pic>
         <p:nvPicPr>
-          <p:cNvPr id="7" name="Picture 6"/>
+          <p:cNvPr id="8" name="Picture 7"/>
           <p:cNvPicPr>
             <a:picLocks noChangeAspect="1"/>
           </p:cNvPicPr>
@@ -5201,8 +5245,32 @@
         </p:blipFill>
         <p:spPr>
           <a:xfrm>
-            <a:off x="3744432" y="241390"/>
-            <a:ext cx="5138925" cy="1891465"/>
+            <a:off x="3088600" y="0"/>
+            <a:ext cx="5794758" cy="2132855"/>
+          </a:xfrm>
+          <a:prstGeom prst="rect">
+            <a:avLst/>
+          </a:prstGeom>
+        </p:spPr>
+      </p:pic>
+      <p:pic>
+        <p:nvPicPr>
+          <p:cNvPr id="9" name="Picture 8"/>
+          <p:cNvPicPr>
+            <a:picLocks noChangeAspect="1"/>
+          </p:cNvPicPr>
+          <p:nvPr/>
+        </p:nvPicPr>
+        <p:blipFill>
+          <a:blip r:embed="rId5"/>
+          <a:stretch>
+            <a:fillRect/>
+          </a:stretch>
+        </p:blipFill>
+        <p:spPr>
+          <a:xfrm>
+            <a:off x="1331640" y="48813"/>
+            <a:ext cx="2231329" cy="1072989"/>
           </a:xfrm>
           <a:prstGeom prst="rect">
             <a:avLst/>
@@ -5212,20 +5280,13 @@
     </p:spTree>
     <p:extLst>
       <p:ext uri="{BB962C8B-B14F-4D97-AF65-F5344CB8AC3E}">
-        <p14:creationId xmlns:p14="http://schemas.microsoft.com/office/powerpoint/2010/main" val="1282787879"/>
+        <p14:creationId xmlns:p14="http://schemas.microsoft.com/office/powerpoint/2010/main" val="2425007598"/>
       </p:ext>
     </p:extLst>
   </p:cSld>
   <p:clrMapOvr>
     <a:masterClrMapping/>
   </p:clrMapOvr>
-  <p:timing>
-    <p:tnLst>
-      <p:par>
-        <p:cTn id="1" dur="indefinite" restart="never" nodeType="tmRoot"/>
-      </p:par>
-    </p:tnLst>
-  </p:timing>
 </p:sld>
 </file>
 
@@ -5246,9 +5307,47 @@
           <a:chExt cx="0" cy="0"/>
         </a:xfrm>
       </p:grpSpPr>
+      <p:sp>
+        <p:nvSpPr>
+          <p:cNvPr id="2" name="Title 1"/>
+          <p:cNvSpPr>
+            <a:spLocks noGrp="1"/>
+          </p:cNvSpPr>
+          <p:nvPr>
+            <p:ph type="title"/>
+          </p:nvPr>
+        </p:nvSpPr>
+        <p:spPr/>
+        <p:txBody>
+          <a:bodyPr/>
+          <a:lstStyle/>
+          <a:p>
+            <a:endParaRPr lang="en-IN"/>
+          </a:p>
+        </p:txBody>
+      </p:sp>
+      <p:sp>
+        <p:nvSpPr>
+          <p:cNvPr id="3" name="Content Placeholder 2"/>
+          <p:cNvSpPr>
+            <a:spLocks noGrp="1"/>
+          </p:cNvSpPr>
+          <p:nvPr>
+            <p:ph idx="1"/>
+          </p:nvPr>
+        </p:nvSpPr>
+        <p:spPr/>
+        <p:txBody>
+          <a:bodyPr/>
+          <a:lstStyle/>
+          <a:p>
+            <a:endParaRPr lang="en-IN"/>
+          </a:p>
+        </p:txBody>
+      </p:sp>
       <p:pic>
         <p:nvPicPr>
-          <p:cNvPr id="4" name="Picture 3"/>
+          <p:cNvPr id="5" name="Picture 4"/>
           <p:cNvPicPr>
             <a:picLocks noChangeAspect="1"/>
           </p:cNvPicPr>
@@ -5262,207 +5361,8 @@
         </p:blipFill>
         <p:spPr>
           <a:xfrm>
-            <a:off x="12219" y="260648"/>
-            <a:ext cx="4451722" cy="6250706"/>
-          </a:xfrm>
-          <a:prstGeom prst="rect">
-            <a:avLst/>
-          </a:prstGeom>
-        </p:spPr>
-      </p:pic>
-      <p:sp>
-        <p:nvSpPr>
-          <p:cNvPr id="5" name="Rectangle 4"/>
-          <p:cNvSpPr/>
-          <p:nvPr/>
-        </p:nvSpPr>
-        <p:spPr>
-          <a:xfrm>
-            <a:off x="2051720" y="3645024"/>
-            <a:ext cx="6120680" cy="369332"/>
-          </a:xfrm>
-          <a:prstGeom prst="rect">
-            <a:avLst/>
-          </a:prstGeom>
-        </p:spPr>
-        <p:txBody>
-          <a:bodyPr wrap="square">
-            <a:spAutoFit/>
-          </a:bodyPr>
-          <a:lstStyle/>
-          <a:p>
-            <a:r>
-              <a:rPr lang="en-IN" b="1">
-                <a:solidFill>
-                  <a:srgbClr val="FF0000"/>
-                </a:solidFill>
-              </a:rPr>
-              <a:t>C0=[22.78,20]</a:t>
-            </a:r>
-            <a:endParaRPr lang="en-IN" b="1" dirty="0">
-              <a:solidFill>
-                <a:srgbClr val="FF0000"/>
-              </a:solidFill>
-            </a:endParaRPr>
-          </a:p>
-        </p:txBody>
-      </p:sp>
-      <p:sp>
-        <p:nvSpPr>
-          <p:cNvPr id="6" name="Rectangle 5"/>
-          <p:cNvSpPr/>
-          <p:nvPr/>
-        </p:nvSpPr>
-        <p:spPr>
-          <a:xfrm>
-            <a:off x="2109407" y="5517231"/>
-            <a:ext cx="6768752" cy="707886"/>
-          </a:xfrm>
-          <a:prstGeom prst="rect">
-            <a:avLst/>
-          </a:prstGeom>
-        </p:spPr>
-        <p:txBody>
-          <a:bodyPr wrap="square">
-            <a:spAutoFit/>
-          </a:bodyPr>
-          <a:lstStyle/>
-          <a:p>
-            <a:r>
-              <a:rPr lang="en-IN" sz="2000" b="1" dirty="0">
-                <a:solidFill>
-                  <a:srgbClr val="FF0000"/>
-                </a:solidFill>
-              </a:rPr>
-              <a:t>Gain=(3-1) </a:t>
-            </a:r>
-            <a:r>
-              <a:rPr lang="en-IN" sz="2000" b="1" dirty="0" err="1">
-                <a:solidFill>
-                  <a:srgbClr val="FF0000"/>
-                </a:solidFill>
-              </a:rPr>
-              <a:t>dist</a:t>
-            </a:r>
-            <a:r>
-              <a:rPr lang="en-IN" sz="2000" b="1" dirty="0">
-                <a:solidFill>
-                  <a:srgbClr val="FF0000"/>
-                </a:solidFill>
-              </a:rPr>
-              <a:t>(C0,C01)+(2-1)*</a:t>
-            </a:r>
-            <a:r>
-              <a:rPr lang="en-IN" sz="2000" b="1" dirty="0" err="1">
-                <a:solidFill>
-                  <a:srgbClr val="FF0000"/>
-                </a:solidFill>
-              </a:rPr>
-              <a:t>dist</a:t>
-            </a:r>
-            <a:r>
-              <a:rPr lang="en-IN" sz="2000" b="1" dirty="0">
-                <a:solidFill>
-                  <a:srgbClr val="FF0000"/>
-                </a:solidFill>
-              </a:rPr>
-              <a:t>(C0,C02)+(4-1)</a:t>
-            </a:r>
-            <a:r>
-              <a:rPr lang="en-IN" sz="2000" b="1" dirty="0" err="1">
-                <a:solidFill>
-                  <a:srgbClr val="FF0000"/>
-                </a:solidFill>
-              </a:rPr>
-              <a:t>dist</a:t>
-            </a:r>
-            <a:r>
-              <a:rPr lang="en-IN" sz="2000" b="1" dirty="0">
-                <a:solidFill>
-                  <a:srgbClr val="FF0000"/>
-                </a:solidFill>
-              </a:rPr>
-              <a:t>(C0,C03)</a:t>
-            </a:r>
-          </a:p>
-          <a:p>
-            <a:r>
-              <a:rPr lang="en-IN" sz="2000" b="1" dirty="0">
-                <a:solidFill>
-                  <a:srgbClr val="FF0000"/>
-                </a:solidFill>
-              </a:rPr>
-              <a:t>    = 146.08</a:t>
-            </a:r>
-          </a:p>
-        </p:txBody>
-      </p:sp>
-      <p:pic>
-        <p:nvPicPr>
-          <p:cNvPr id="7" name="Picture 6"/>
-          <p:cNvPicPr>
-            <a:picLocks noChangeAspect="1"/>
-          </p:cNvPicPr>
-          <p:nvPr/>
-        </p:nvPicPr>
-        <p:blipFill>
-          <a:blip r:embed="rId3"/>
-          <a:stretch>
-            <a:fillRect/>
-          </a:stretch>
-        </p:blipFill>
-        <p:spPr>
-          <a:xfrm>
-            <a:off x="4283968" y="4137720"/>
-            <a:ext cx="3239314" cy="889794"/>
-          </a:xfrm>
-          <a:prstGeom prst="rect">
-            <a:avLst/>
-          </a:prstGeom>
-        </p:spPr>
-      </p:pic>
-      <p:pic>
-        <p:nvPicPr>
-          <p:cNvPr id="8" name="Picture 7"/>
-          <p:cNvPicPr>
-            <a:picLocks noChangeAspect="1"/>
-          </p:cNvPicPr>
-          <p:nvPr/>
-        </p:nvPicPr>
-        <p:blipFill>
-          <a:blip r:embed="rId4"/>
-          <a:stretch>
-            <a:fillRect/>
-          </a:stretch>
-        </p:blipFill>
-        <p:spPr>
-          <a:xfrm>
-            <a:off x="3088600" y="0"/>
-            <a:ext cx="5794758" cy="2132855"/>
-          </a:xfrm>
-          <a:prstGeom prst="rect">
-            <a:avLst/>
-          </a:prstGeom>
-        </p:spPr>
-      </p:pic>
-      <p:pic>
-        <p:nvPicPr>
-          <p:cNvPr id="9" name="Picture 8"/>
-          <p:cNvPicPr>
-            <a:picLocks noChangeAspect="1"/>
-          </p:cNvPicPr>
-          <p:nvPr/>
-        </p:nvPicPr>
-        <p:blipFill>
-          <a:blip r:embed="rId5"/>
-          <a:stretch>
-            <a:fillRect/>
-          </a:stretch>
-        </p:blipFill>
-        <p:spPr>
-          <a:xfrm>
-            <a:off x="1331640" y="48813"/>
-            <a:ext cx="2231329" cy="1072989"/>
+            <a:off x="214288" y="42861"/>
+            <a:ext cx="8822208" cy="5402363"/>
           </a:xfrm>
           <a:prstGeom prst="rect">
             <a:avLst/>
@@ -5472,20 +5372,13 @@
     </p:spTree>
     <p:extLst>
       <p:ext uri="{BB962C8B-B14F-4D97-AF65-F5344CB8AC3E}">
-        <p14:creationId xmlns:p14="http://schemas.microsoft.com/office/powerpoint/2010/main" val="2425007598"/>
+        <p14:creationId xmlns:p14="http://schemas.microsoft.com/office/powerpoint/2010/main" val="2371441996"/>
       </p:ext>
     </p:extLst>
   </p:cSld>
   <p:clrMapOvr>
     <a:masterClrMapping/>
   </p:clrMapOvr>
-  <p:timing>
-    <p:tnLst>
-      <p:par>
-        <p:cTn id="1" dur="indefinite" restart="never" nodeType="tmRoot"/>
-      </p:par>
-    </p:tnLst>
-  </p:timing>
 </p:sld>
 </file>
 
@@ -5546,105 +5439,6 @@
       </p:sp>
       <p:pic>
         <p:nvPicPr>
-          <p:cNvPr id="5" name="Picture 4"/>
-          <p:cNvPicPr>
-            <a:picLocks noChangeAspect="1"/>
-          </p:cNvPicPr>
-          <p:nvPr/>
-        </p:nvPicPr>
-        <p:blipFill>
-          <a:blip r:embed="rId2"/>
-          <a:stretch>
-            <a:fillRect/>
-          </a:stretch>
-        </p:blipFill>
-        <p:spPr>
-          <a:xfrm>
-            <a:off x="214288" y="42861"/>
-            <a:ext cx="8822208" cy="5402363"/>
-          </a:xfrm>
-          <a:prstGeom prst="rect">
-            <a:avLst/>
-          </a:prstGeom>
-        </p:spPr>
-      </p:pic>
-    </p:spTree>
-    <p:extLst>
-      <p:ext uri="{BB962C8B-B14F-4D97-AF65-F5344CB8AC3E}">
-        <p14:creationId xmlns:p14="http://schemas.microsoft.com/office/powerpoint/2010/main" val="2371441996"/>
-      </p:ext>
-    </p:extLst>
-  </p:cSld>
-  <p:clrMapOvr>
-    <a:masterClrMapping/>
-  </p:clrMapOvr>
-  <p:timing>
-    <p:tnLst>
-      <p:par>
-        <p:cTn id="1" dur="indefinite" restart="never" nodeType="tmRoot"/>
-      </p:par>
-    </p:tnLst>
-  </p:timing>
-</p:sld>
-</file>
-
-<file path=ppt/slides/slide19.xml><?xml version="1.0" encoding="utf-8"?>
-<p:sld xmlns:a="http://schemas.openxmlformats.org/drawingml/2006/main" xmlns:r="http://schemas.openxmlformats.org/officeDocument/2006/relationships" xmlns:p="http://schemas.openxmlformats.org/presentationml/2006/main">
-  <p:cSld>
-    <p:spTree>
-      <p:nvGrpSpPr>
-        <p:cNvPr id="1" name=""/>
-        <p:cNvGrpSpPr/>
-        <p:nvPr/>
-      </p:nvGrpSpPr>
-      <p:grpSpPr>
-        <a:xfrm>
-          <a:off x="0" y="0"/>
-          <a:ext cx="0" cy="0"/>
-          <a:chOff x="0" y="0"/>
-          <a:chExt cx="0" cy="0"/>
-        </a:xfrm>
-      </p:grpSpPr>
-      <p:sp>
-        <p:nvSpPr>
-          <p:cNvPr id="2" name="Title 1"/>
-          <p:cNvSpPr>
-            <a:spLocks noGrp="1"/>
-          </p:cNvSpPr>
-          <p:nvPr>
-            <p:ph type="title"/>
-          </p:nvPr>
-        </p:nvSpPr>
-        <p:spPr/>
-        <p:txBody>
-          <a:bodyPr/>
-          <a:lstStyle/>
-          <a:p>
-            <a:endParaRPr lang="en-IN"/>
-          </a:p>
-        </p:txBody>
-      </p:sp>
-      <p:sp>
-        <p:nvSpPr>
-          <p:cNvPr id="3" name="Content Placeholder 2"/>
-          <p:cNvSpPr>
-            <a:spLocks noGrp="1"/>
-          </p:cNvSpPr>
-          <p:nvPr>
-            <p:ph idx="1"/>
-          </p:nvPr>
-        </p:nvSpPr>
-        <p:spPr/>
-        <p:txBody>
-          <a:bodyPr/>
-          <a:lstStyle/>
-          <a:p>
-            <a:endParaRPr lang="en-IN"/>
-          </a:p>
-        </p:txBody>
-      </p:sp>
-      <p:pic>
-        <p:nvPicPr>
           <p:cNvPr id="4" name="Picture 3"/>
           <p:cNvPicPr>
             <a:picLocks noChangeAspect="1"/>
@@ -5701,171 +5495,10 @@
   <p:clrMapOvr>
     <a:masterClrMapping/>
   </p:clrMapOvr>
-  <p:timing>
-    <p:tnLst>
-      <p:par>
-        <p:cTn id="1" dur="indefinite" restart="never" nodeType="tmRoot"/>
-      </p:par>
-    </p:tnLst>
-  </p:timing>
 </p:sld>
 </file>
 
-<file path=ppt/slides/slide2.xml><?xml version="1.0" encoding="utf-8"?>
-<p:sld xmlns:a="http://schemas.openxmlformats.org/drawingml/2006/main" xmlns:r="http://schemas.openxmlformats.org/officeDocument/2006/relationships" xmlns:p="http://schemas.openxmlformats.org/presentationml/2006/main">
-  <p:cSld>
-    <p:spTree>
-      <p:nvGrpSpPr>
-        <p:cNvPr id="1" name=""/>
-        <p:cNvGrpSpPr/>
-        <p:nvPr/>
-      </p:nvGrpSpPr>
-      <p:grpSpPr>
-        <a:xfrm>
-          <a:off x="0" y="0"/>
-          <a:ext cx="0" cy="0"/>
-          <a:chOff x="0" y="0"/>
-          <a:chExt cx="0" cy="0"/>
-        </a:xfrm>
-      </p:grpSpPr>
-      <p:sp>
-        <p:nvSpPr>
-          <p:cNvPr id="2" name="Title 1"/>
-          <p:cNvSpPr>
-            <a:spLocks noGrp="1"/>
-          </p:cNvSpPr>
-          <p:nvPr>
-            <p:ph type="title"/>
-          </p:nvPr>
-        </p:nvSpPr>
-        <p:spPr/>
-        <p:txBody>
-          <a:bodyPr/>
-          <a:lstStyle/>
-          <a:p>
-            <a:endParaRPr lang="en-IN"/>
-          </a:p>
-        </p:txBody>
-      </p:sp>
-      <p:pic>
-        <p:nvPicPr>
-          <p:cNvPr id="6" name="Content Placeholder 5"/>
-          <p:cNvPicPr>
-            <a:picLocks noGrp="1" noChangeAspect="1"/>
-          </p:cNvPicPr>
-          <p:nvPr>
-            <p:ph idx="1"/>
-          </p:nvPr>
-        </p:nvPicPr>
-        <p:blipFill>
-          <a:blip r:embed="rId2"/>
-          <a:stretch>
-            <a:fillRect/>
-          </a:stretch>
-        </p:blipFill>
-        <p:spPr>
-          <a:xfrm>
-            <a:off x="4133850" y="3553619"/>
-            <a:ext cx="876300" cy="619125"/>
-          </a:xfrm>
-          <a:prstGeom prst="rect">
-            <a:avLst/>
-          </a:prstGeom>
-        </p:spPr>
-      </p:pic>
-      <p:pic>
-        <p:nvPicPr>
-          <p:cNvPr id="4" name="Picture 3"/>
-          <p:cNvPicPr>
-            <a:picLocks noChangeAspect="1"/>
-          </p:cNvPicPr>
-          <p:nvPr/>
-        </p:nvPicPr>
-        <p:blipFill>
-          <a:blip r:embed="rId3"/>
-          <a:stretch>
-            <a:fillRect/>
-          </a:stretch>
-        </p:blipFill>
-        <p:spPr>
-          <a:xfrm>
-            <a:off x="-33405" y="-171400"/>
-            <a:ext cx="8637169" cy="4757050"/>
-          </a:xfrm>
-          <a:prstGeom prst="rect">
-            <a:avLst/>
-          </a:prstGeom>
-        </p:spPr>
-      </p:pic>
-      <p:pic>
-        <p:nvPicPr>
-          <p:cNvPr id="5" name="Picture 4"/>
-          <p:cNvPicPr>
-            <a:picLocks noChangeAspect="1"/>
-          </p:cNvPicPr>
-          <p:nvPr/>
-        </p:nvPicPr>
-        <p:blipFill>
-          <a:blip r:embed="rId4"/>
-          <a:stretch>
-            <a:fillRect/>
-          </a:stretch>
-        </p:blipFill>
-        <p:spPr>
-          <a:xfrm>
-            <a:off x="6054710" y="3878418"/>
-            <a:ext cx="3295650" cy="2971800"/>
-          </a:xfrm>
-          <a:prstGeom prst="rect">
-            <a:avLst/>
-          </a:prstGeom>
-        </p:spPr>
-      </p:pic>
-      <p:pic>
-        <p:nvPicPr>
-          <p:cNvPr id="7" name="Picture 6"/>
-          <p:cNvPicPr>
-            <a:picLocks noChangeAspect="1"/>
-          </p:cNvPicPr>
-          <p:nvPr/>
-        </p:nvPicPr>
-        <p:blipFill>
-          <a:blip r:embed="rId2"/>
-          <a:stretch>
-            <a:fillRect/>
-          </a:stretch>
-        </p:blipFill>
-        <p:spPr>
-          <a:xfrm>
-            <a:off x="5724128" y="3717032"/>
-            <a:ext cx="876300" cy="619125"/>
-          </a:xfrm>
-          <a:prstGeom prst="rect">
-            <a:avLst/>
-          </a:prstGeom>
-        </p:spPr>
-      </p:pic>
-    </p:spTree>
-    <p:extLst>
-      <p:ext uri="{BB962C8B-B14F-4D97-AF65-F5344CB8AC3E}">
-        <p14:creationId xmlns:p14="http://schemas.microsoft.com/office/powerpoint/2010/main" val="4217998057"/>
-      </p:ext>
-    </p:extLst>
-  </p:cSld>
-  <p:clrMapOvr>
-    <a:masterClrMapping/>
-  </p:clrMapOvr>
-  <p:timing>
-    <p:tnLst>
-      <p:par>
-        <p:cTn id="1" dur="indefinite" restart="never" nodeType="tmRoot"/>
-      </p:par>
-    </p:tnLst>
-  </p:timing>
-</p:sld>
-</file>
-
-<file path=ppt/slides/slide20.xml><?xml version="1.0" encoding="utf-8"?>
+<file path=ppt/slides/slide19.xml><?xml version="1.0" encoding="utf-8"?>
 <p:sld xmlns:a="http://schemas.openxmlformats.org/drawingml/2006/main" xmlns:r="http://schemas.openxmlformats.org/officeDocument/2006/relationships" xmlns:p="http://schemas.openxmlformats.org/presentationml/2006/main">
   <p:cSld>
     <p:spTree>
@@ -6085,13 +5718,245 @@
   <p:clrMapOvr>
     <a:masterClrMapping/>
   </p:clrMapOvr>
-  <p:timing>
-    <p:tnLst>
-      <p:par>
-        <p:cTn id="1" dur="indefinite" restart="never" nodeType="tmRoot"/>
-      </p:par>
-    </p:tnLst>
-  </p:timing>
+</p:sld>
+</file>
+
+<file path=ppt/slides/slide2.xml><?xml version="1.0" encoding="utf-8"?>
+<p:sld xmlns:a="http://schemas.openxmlformats.org/drawingml/2006/main" xmlns:r="http://schemas.openxmlformats.org/officeDocument/2006/relationships" xmlns:p="http://schemas.openxmlformats.org/presentationml/2006/main">
+  <p:cSld>
+    <p:spTree>
+      <p:nvGrpSpPr>
+        <p:cNvPr id="1" name=""/>
+        <p:cNvGrpSpPr/>
+        <p:nvPr/>
+      </p:nvGrpSpPr>
+      <p:grpSpPr>
+        <a:xfrm>
+          <a:off x="0" y="0"/>
+          <a:ext cx="0" cy="0"/>
+          <a:chOff x="0" y="0"/>
+          <a:chExt cx="0" cy="0"/>
+        </a:xfrm>
+      </p:grpSpPr>
+      <p:sp>
+        <p:nvSpPr>
+          <p:cNvPr id="2" name="Title 1"/>
+          <p:cNvSpPr>
+            <a:spLocks noGrp="1"/>
+          </p:cNvSpPr>
+          <p:nvPr>
+            <p:ph type="title"/>
+          </p:nvPr>
+        </p:nvSpPr>
+        <p:spPr/>
+        <p:txBody>
+          <a:bodyPr/>
+          <a:lstStyle/>
+          <a:p>
+            <a:endParaRPr lang="en-IN"/>
+          </a:p>
+        </p:txBody>
+      </p:sp>
+      <p:pic>
+        <p:nvPicPr>
+          <p:cNvPr id="6" name="Content Placeholder 5"/>
+          <p:cNvPicPr>
+            <a:picLocks noGrp="1" noChangeAspect="1"/>
+          </p:cNvPicPr>
+          <p:nvPr>
+            <p:ph idx="1"/>
+          </p:nvPr>
+        </p:nvPicPr>
+        <p:blipFill>
+          <a:blip r:embed="rId2"/>
+          <a:stretch>
+            <a:fillRect/>
+          </a:stretch>
+        </p:blipFill>
+        <p:spPr>
+          <a:xfrm>
+            <a:off x="4133850" y="3553619"/>
+            <a:ext cx="876300" cy="619125"/>
+          </a:xfrm>
+          <a:prstGeom prst="rect">
+            <a:avLst/>
+          </a:prstGeom>
+        </p:spPr>
+      </p:pic>
+      <p:pic>
+        <p:nvPicPr>
+          <p:cNvPr id="4" name="Picture 3"/>
+          <p:cNvPicPr>
+            <a:picLocks noChangeAspect="1"/>
+          </p:cNvPicPr>
+          <p:nvPr/>
+        </p:nvPicPr>
+        <p:blipFill>
+          <a:blip r:embed="rId3"/>
+          <a:stretch>
+            <a:fillRect/>
+          </a:stretch>
+        </p:blipFill>
+        <p:spPr>
+          <a:xfrm>
+            <a:off x="-33405" y="-171400"/>
+            <a:ext cx="8637169" cy="4757050"/>
+          </a:xfrm>
+          <a:prstGeom prst="rect">
+            <a:avLst/>
+          </a:prstGeom>
+        </p:spPr>
+      </p:pic>
+      <p:pic>
+        <p:nvPicPr>
+          <p:cNvPr id="5" name="Picture 4"/>
+          <p:cNvPicPr>
+            <a:picLocks noChangeAspect="1"/>
+          </p:cNvPicPr>
+          <p:nvPr/>
+        </p:nvPicPr>
+        <p:blipFill>
+          <a:blip r:embed="rId4"/>
+          <a:stretch>
+            <a:fillRect/>
+          </a:stretch>
+        </p:blipFill>
+        <p:spPr>
+          <a:xfrm>
+            <a:off x="6054710" y="3878418"/>
+            <a:ext cx="3295650" cy="2971800"/>
+          </a:xfrm>
+          <a:prstGeom prst="rect">
+            <a:avLst/>
+          </a:prstGeom>
+        </p:spPr>
+      </p:pic>
+      <p:pic>
+        <p:nvPicPr>
+          <p:cNvPr id="7" name="Picture 6"/>
+          <p:cNvPicPr>
+            <a:picLocks noChangeAspect="1"/>
+          </p:cNvPicPr>
+          <p:nvPr/>
+        </p:nvPicPr>
+        <p:blipFill>
+          <a:blip r:embed="rId2"/>
+          <a:stretch>
+            <a:fillRect/>
+          </a:stretch>
+        </p:blipFill>
+        <p:spPr>
+          <a:xfrm>
+            <a:off x="5724128" y="3717032"/>
+            <a:ext cx="876300" cy="619125"/>
+          </a:xfrm>
+          <a:prstGeom prst="rect">
+            <a:avLst/>
+          </a:prstGeom>
+        </p:spPr>
+      </p:pic>
+    </p:spTree>
+    <p:extLst>
+      <p:ext uri="{BB962C8B-B14F-4D97-AF65-F5344CB8AC3E}">
+        <p14:creationId xmlns:p14="http://schemas.microsoft.com/office/powerpoint/2010/main" val="4217998057"/>
+      </p:ext>
+    </p:extLst>
+  </p:cSld>
+  <p:clrMapOvr>
+    <a:masterClrMapping/>
+  </p:clrMapOvr>
+</p:sld>
+</file>
+
+<file path=ppt/slides/slide20.xml><?xml version="1.0" encoding="utf-8"?>
+<p:sld xmlns:a="http://schemas.openxmlformats.org/drawingml/2006/main" xmlns:r="http://schemas.openxmlformats.org/officeDocument/2006/relationships" xmlns:p="http://schemas.openxmlformats.org/presentationml/2006/main">
+  <p:cSld>
+    <p:spTree>
+      <p:nvGrpSpPr>
+        <p:cNvPr id="1" name=""/>
+        <p:cNvGrpSpPr/>
+        <p:nvPr/>
+      </p:nvGrpSpPr>
+      <p:grpSpPr>
+        <a:xfrm>
+          <a:off x="0" y="0"/>
+          <a:ext cx="0" cy="0"/>
+          <a:chOff x="0" y="0"/>
+          <a:chExt cx="0" cy="0"/>
+        </a:xfrm>
+      </p:grpSpPr>
+      <p:sp>
+        <p:nvSpPr>
+          <p:cNvPr id="2" name="Title 1"/>
+          <p:cNvSpPr>
+            <a:spLocks noGrp="1"/>
+          </p:cNvSpPr>
+          <p:nvPr>
+            <p:ph type="title"/>
+          </p:nvPr>
+        </p:nvSpPr>
+        <p:spPr/>
+        <p:txBody>
+          <a:bodyPr/>
+          <a:lstStyle/>
+          <a:p>
+            <a:endParaRPr lang="en-IN"/>
+          </a:p>
+        </p:txBody>
+      </p:sp>
+      <p:sp>
+        <p:nvSpPr>
+          <p:cNvPr id="3" name="Content Placeholder 2"/>
+          <p:cNvSpPr>
+            <a:spLocks noGrp="1"/>
+          </p:cNvSpPr>
+          <p:nvPr>
+            <p:ph idx="1"/>
+          </p:nvPr>
+        </p:nvSpPr>
+        <p:spPr/>
+        <p:txBody>
+          <a:bodyPr/>
+          <a:lstStyle/>
+          <a:p>
+            <a:endParaRPr lang="en-IN"/>
+          </a:p>
+        </p:txBody>
+      </p:sp>
+      <p:pic>
+        <p:nvPicPr>
+          <p:cNvPr id="5" name="Picture 4"/>
+          <p:cNvPicPr>
+            <a:picLocks noChangeAspect="1"/>
+          </p:cNvPicPr>
+          <p:nvPr/>
+        </p:nvPicPr>
+        <p:blipFill>
+          <a:blip r:embed="rId2"/>
+          <a:stretch>
+            <a:fillRect/>
+          </a:stretch>
+        </p:blipFill>
+        <p:spPr>
+          <a:xfrm>
+            <a:off x="0" y="0"/>
+            <a:ext cx="9144000" cy="4211685"/>
+          </a:xfrm>
+          <a:prstGeom prst="rect">
+            <a:avLst/>
+          </a:prstGeom>
+        </p:spPr>
+      </p:pic>
+    </p:spTree>
+    <p:extLst>
+      <p:ext uri="{BB962C8B-B14F-4D97-AF65-F5344CB8AC3E}">
+        <p14:creationId xmlns:p14="http://schemas.microsoft.com/office/powerpoint/2010/main" val="2304080110"/>
+      </p:ext>
+    </p:extLst>
+  </p:cSld>
+  <p:clrMapOvr>
+    <a:masterClrMapping/>
+  </p:clrMapOvr>
 </p:sld>
 </file>
 
@@ -6152,105 +6017,6 @@
       </p:sp>
       <p:pic>
         <p:nvPicPr>
-          <p:cNvPr id="5" name="Picture 4"/>
-          <p:cNvPicPr>
-            <a:picLocks noChangeAspect="1"/>
-          </p:cNvPicPr>
-          <p:nvPr/>
-        </p:nvPicPr>
-        <p:blipFill>
-          <a:blip r:embed="rId2"/>
-          <a:stretch>
-            <a:fillRect/>
-          </a:stretch>
-        </p:blipFill>
-        <p:spPr>
-          <a:xfrm>
-            <a:off x="0" y="0"/>
-            <a:ext cx="9144000" cy="4211685"/>
-          </a:xfrm>
-          <a:prstGeom prst="rect">
-            <a:avLst/>
-          </a:prstGeom>
-        </p:spPr>
-      </p:pic>
-    </p:spTree>
-    <p:extLst>
-      <p:ext uri="{BB962C8B-B14F-4D97-AF65-F5344CB8AC3E}">
-        <p14:creationId xmlns:p14="http://schemas.microsoft.com/office/powerpoint/2010/main" val="2304080110"/>
-      </p:ext>
-    </p:extLst>
-  </p:cSld>
-  <p:clrMapOvr>
-    <a:masterClrMapping/>
-  </p:clrMapOvr>
-  <p:timing>
-    <p:tnLst>
-      <p:par>
-        <p:cTn id="1" dur="indefinite" restart="never" nodeType="tmRoot"/>
-      </p:par>
-    </p:tnLst>
-  </p:timing>
-</p:sld>
-</file>
-
-<file path=ppt/slides/slide22.xml><?xml version="1.0" encoding="utf-8"?>
-<p:sld xmlns:a="http://schemas.openxmlformats.org/drawingml/2006/main" xmlns:r="http://schemas.openxmlformats.org/officeDocument/2006/relationships" xmlns:p="http://schemas.openxmlformats.org/presentationml/2006/main">
-  <p:cSld>
-    <p:spTree>
-      <p:nvGrpSpPr>
-        <p:cNvPr id="1" name=""/>
-        <p:cNvGrpSpPr/>
-        <p:nvPr/>
-      </p:nvGrpSpPr>
-      <p:grpSpPr>
-        <a:xfrm>
-          <a:off x="0" y="0"/>
-          <a:ext cx="0" cy="0"/>
-          <a:chOff x="0" y="0"/>
-          <a:chExt cx="0" cy="0"/>
-        </a:xfrm>
-      </p:grpSpPr>
-      <p:sp>
-        <p:nvSpPr>
-          <p:cNvPr id="2" name="Title 1"/>
-          <p:cNvSpPr>
-            <a:spLocks noGrp="1"/>
-          </p:cNvSpPr>
-          <p:nvPr>
-            <p:ph type="title"/>
-          </p:nvPr>
-        </p:nvSpPr>
-        <p:spPr/>
-        <p:txBody>
-          <a:bodyPr/>
-          <a:lstStyle/>
-          <a:p>
-            <a:endParaRPr lang="en-IN"/>
-          </a:p>
-        </p:txBody>
-      </p:sp>
-      <p:sp>
-        <p:nvSpPr>
-          <p:cNvPr id="3" name="Content Placeholder 2"/>
-          <p:cNvSpPr>
-            <a:spLocks noGrp="1"/>
-          </p:cNvSpPr>
-          <p:nvPr>
-            <p:ph idx="1"/>
-          </p:nvPr>
-        </p:nvSpPr>
-        <p:spPr/>
-        <p:txBody>
-          <a:bodyPr/>
-          <a:lstStyle/>
-          <a:p>
-            <a:endParaRPr lang="en-IN"/>
-          </a:p>
-        </p:txBody>
-      </p:sp>
-      <p:pic>
-        <p:nvPicPr>
           <p:cNvPr id="4" name="Picture 3"/>
           <p:cNvPicPr>
             <a:picLocks noChangeAspect="1"/>
@@ -6283,13 +6049,6 @@
   <p:clrMapOvr>
     <a:masterClrMapping/>
   </p:clrMapOvr>
-  <p:timing>
-    <p:tnLst>
-      <p:par>
-        <p:cTn id="1" dur="indefinite" restart="never" nodeType="tmRoot"/>
-      </p:par>
-    </p:tnLst>
-  </p:timing>
 </p:sld>
 </file>
 
@@ -6382,13 +6141,6 @@
   <p:clrMapOvr>
     <a:masterClrMapping/>
   </p:clrMapOvr>
-  <p:timing>
-    <p:tnLst>
-      <p:par>
-        <p:cTn id="1" dur="indefinite" restart="never" nodeType="tmRoot"/>
-      </p:par>
-    </p:tnLst>
-  </p:timing>
 </p:sld>
 </file>
 
@@ -6428,25 +6180,6 @@
           </a:p>
         </p:txBody>
       </p:sp>
-      <p:sp>
-        <p:nvSpPr>
-          <p:cNvPr id="3" name="Content Placeholder 2"/>
-          <p:cNvSpPr>
-            <a:spLocks noGrp="1"/>
-          </p:cNvSpPr>
-          <p:nvPr>
-            <p:ph idx="1"/>
-          </p:nvPr>
-        </p:nvSpPr>
-        <p:spPr/>
-        <p:txBody>
-          <a:bodyPr/>
-          <a:lstStyle/>
-          <a:p>
-            <a:endParaRPr lang="en-IN"/>
-          </a:p>
-        </p:txBody>
-      </p:sp>
       <p:pic>
         <p:nvPicPr>
           <p:cNvPr id="4" name="Picture 3"/>
@@ -6481,13 +6214,6 @@
   <p:clrMapOvr>
     <a:masterClrMapping/>
   </p:clrMapOvr>
-  <p:timing>
-    <p:tnLst>
-      <p:par>
-        <p:cTn id="1" dur="indefinite" restart="never" nodeType="tmRoot"/>
-      </p:par>
-    </p:tnLst>
-  </p:timing>
 </p:sld>
 </file>
 
@@ -6508,44 +6234,6 @@
           <a:chExt cx="0" cy="0"/>
         </a:xfrm>
       </p:grpSpPr>
-      <p:sp>
-        <p:nvSpPr>
-          <p:cNvPr id="2" name="Title 1"/>
-          <p:cNvSpPr>
-            <a:spLocks noGrp="1"/>
-          </p:cNvSpPr>
-          <p:nvPr>
-            <p:ph type="title"/>
-          </p:nvPr>
-        </p:nvSpPr>
-        <p:spPr/>
-        <p:txBody>
-          <a:bodyPr/>
-          <a:lstStyle/>
-          <a:p>
-            <a:endParaRPr lang="en-IN"/>
-          </a:p>
-        </p:txBody>
-      </p:sp>
-      <p:sp>
-        <p:nvSpPr>
-          <p:cNvPr id="3" name="Content Placeholder 2"/>
-          <p:cNvSpPr>
-            <a:spLocks noGrp="1"/>
-          </p:cNvSpPr>
-          <p:nvPr>
-            <p:ph idx="1"/>
-          </p:nvPr>
-        </p:nvSpPr>
-        <p:spPr/>
-        <p:txBody>
-          <a:bodyPr/>
-          <a:lstStyle/>
-          <a:p>
-            <a:endParaRPr lang="en-IN"/>
-          </a:p>
-        </p:txBody>
-      </p:sp>
       <p:pic>
         <p:nvPicPr>
           <p:cNvPr id="4" name="Picture 3"/>
@@ -6562,7 +6250,7 @@
         </p:blipFill>
         <p:spPr>
           <a:xfrm>
-            <a:off x="260230" y="0"/>
+            <a:off x="130115" y="851141"/>
             <a:ext cx="8883770" cy="4217689"/>
           </a:xfrm>
           <a:prstGeom prst="rect">
@@ -6580,13 +6268,6 @@
   <p:clrMapOvr>
     <a:masterClrMapping/>
   </p:clrMapOvr>
-  <p:timing>
-    <p:tnLst>
-      <p:par>
-        <p:cTn id="1" dur="indefinite" restart="never" nodeType="tmRoot"/>
-      </p:par>
-    </p:tnLst>
-  </p:timing>
 </p:sld>
 </file>
 
@@ -6626,25 +6307,6 @@
           </a:p>
         </p:txBody>
       </p:sp>
-      <p:sp>
-        <p:nvSpPr>
-          <p:cNvPr id="3" name="Content Placeholder 2"/>
-          <p:cNvSpPr>
-            <a:spLocks noGrp="1"/>
-          </p:cNvSpPr>
-          <p:nvPr>
-            <p:ph idx="1"/>
-          </p:nvPr>
-        </p:nvSpPr>
-        <p:spPr/>
-        <p:txBody>
-          <a:bodyPr/>
-          <a:lstStyle/>
-          <a:p>
-            <a:endParaRPr lang="en-IN"/>
-          </a:p>
-        </p:txBody>
-      </p:sp>
       <p:pic>
         <p:nvPicPr>
           <p:cNvPr id="4" name="Picture 3"/>
@@ -6679,13 +6341,6 @@
   <p:clrMapOvr>
     <a:masterClrMapping/>
   </p:clrMapOvr>
-  <p:timing>
-    <p:tnLst>
-      <p:par>
-        <p:cTn id="1" dur="indefinite" restart="never" nodeType="tmRoot"/>
-      </p:par>
-    </p:tnLst>
-  </p:timing>
 </p:sld>
 </file>
 
@@ -6725,25 +6380,6 @@
           </a:p>
         </p:txBody>
       </p:sp>
-      <p:sp>
-        <p:nvSpPr>
-          <p:cNvPr id="3" name="Content Placeholder 2"/>
-          <p:cNvSpPr>
-            <a:spLocks noGrp="1"/>
-          </p:cNvSpPr>
-          <p:nvPr>
-            <p:ph idx="1"/>
-          </p:nvPr>
-        </p:nvSpPr>
-        <p:spPr/>
-        <p:txBody>
-          <a:bodyPr/>
-          <a:lstStyle/>
-          <a:p>
-            <a:endParaRPr lang="en-IN"/>
-          </a:p>
-        </p:txBody>
-      </p:sp>
       <p:pic>
         <p:nvPicPr>
           <p:cNvPr id="5" name="Picture 4"/>
@@ -6778,13 +6414,6 @@
   <p:clrMapOvr>
     <a:masterClrMapping/>
   </p:clrMapOvr>
-  <p:timing>
-    <p:tnLst>
-      <p:par>
-        <p:cTn id="1" dur="indefinite" restart="never" nodeType="tmRoot"/>
-      </p:par>
-    </p:tnLst>
-  </p:timing>
 </p:sld>
 </file>
 
@@ -6824,25 +6453,6 @@
           </a:p>
         </p:txBody>
       </p:sp>
-      <p:sp>
-        <p:nvSpPr>
-          <p:cNvPr id="3" name="Content Placeholder 2"/>
-          <p:cNvSpPr>
-            <a:spLocks noGrp="1"/>
-          </p:cNvSpPr>
-          <p:nvPr>
-            <p:ph idx="1"/>
-          </p:nvPr>
-        </p:nvSpPr>
-        <p:spPr/>
-        <p:txBody>
-          <a:bodyPr/>
-          <a:lstStyle/>
-          <a:p>
-            <a:endParaRPr lang="en-IN"/>
-          </a:p>
-        </p:txBody>
-      </p:sp>
       <p:pic>
         <p:nvPicPr>
           <p:cNvPr id="4" name="Picture 3"/>
@@ -6867,6 +6477,36 @@
           </a:prstGeom>
         </p:spPr>
       </p:pic>
+      <p:pic>
+        <p:nvPicPr>
+          <p:cNvPr id="5" name="Picture 4">
+            <a:extLst>
+              <a:ext uri="{FF2B5EF4-FFF2-40B4-BE49-F238E27FC236}">
+                <a16:creationId xmlns:a16="http://schemas.microsoft.com/office/drawing/2014/main" id="{38EA7B49-1C2B-084B-ABCE-917BA080D2AB}"/>
+              </a:ext>
+            </a:extLst>
+          </p:cNvPr>
+          <p:cNvPicPr>
+            <a:picLocks noChangeAspect="1"/>
+          </p:cNvPicPr>
+          <p:nvPr/>
+        </p:nvPicPr>
+        <p:blipFill>
+          <a:blip r:embed="rId3"/>
+          <a:stretch>
+            <a:fillRect/>
+          </a:stretch>
+        </p:blipFill>
+        <p:spPr>
+          <a:xfrm>
+            <a:off x="323528" y="3547860"/>
+            <a:ext cx="6192688" cy="3298984"/>
+          </a:xfrm>
+          <a:prstGeom prst="rect">
+            <a:avLst/>
+          </a:prstGeom>
+        </p:spPr>
+      </p:pic>
     </p:spTree>
     <p:extLst>
       <p:ext uri="{BB962C8B-B14F-4D97-AF65-F5344CB8AC3E}">
@@ -6877,13 +6517,6 @@
   <p:clrMapOvr>
     <a:masterClrMapping/>
   </p:clrMapOvr>
-  <p:timing>
-    <p:tnLst>
-      <p:par>
-        <p:cTn id="1" dur="indefinite" restart="never" nodeType="tmRoot"/>
-      </p:par>
-    </p:tnLst>
-  </p:timing>
 </p:sld>
 </file>
 
@@ -6944,7 +6577,7 @@
       </p:sp>
       <p:pic>
         <p:nvPicPr>
-          <p:cNvPr id="4" name="Picture 3"/>
+          <p:cNvPr id="5" name="Picture 4"/>
           <p:cNvPicPr>
             <a:picLocks noChangeAspect="1"/>
           </p:cNvPicPr>
@@ -6958,8 +6591,8 @@
         </p:blipFill>
         <p:spPr>
           <a:xfrm>
-            <a:off x="251520" y="274799"/>
-            <a:ext cx="8716393" cy="4643419"/>
+            <a:off x="107504" y="14844"/>
+            <a:ext cx="8824355" cy="6142062"/>
           </a:xfrm>
           <a:prstGeom prst="rect">
             <a:avLst/>
@@ -6969,20 +6602,13 @@
     </p:spTree>
     <p:extLst>
       <p:ext uri="{BB962C8B-B14F-4D97-AF65-F5344CB8AC3E}">
-        <p14:creationId xmlns:p14="http://schemas.microsoft.com/office/powerpoint/2010/main" val="2299775574"/>
+        <p14:creationId xmlns:p14="http://schemas.microsoft.com/office/powerpoint/2010/main" val="2848006139"/>
       </p:ext>
     </p:extLst>
   </p:cSld>
   <p:clrMapOvr>
     <a:masterClrMapping/>
   </p:clrMapOvr>
-  <p:timing>
-    <p:tnLst>
-      <p:par>
-        <p:cTn id="1" dur="indefinite" restart="never" nodeType="tmRoot"/>
-      </p:par>
-    </p:tnLst>
-  </p:timing>
 </p:sld>
 </file>
 

--- a/CSI3010 Data Warehousing Data Mining/reference materials/module-5 cluster analysis and outlier analysis/20_Cluster Evaluation.pptx
+++ b/CSI3010 Data Warehousing Data Mining/reference materials/module-5 cluster analysis and outlier analysis/20_Cluster Evaluation.pptx
@@ -4588,44 +4588,6 @@
           <a:chExt cx="0" cy="0"/>
         </a:xfrm>
       </p:grpSpPr>
-      <p:sp>
-        <p:nvSpPr>
-          <p:cNvPr id="2" name="Title 1"/>
-          <p:cNvSpPr>
-            <a:spLocks noGrp="1"/>
-          </p:cNvSpPr>
-          <p:nvPr>
-            <p:ph type="title"/>
-          </p:nvPr>
-        </p:nvSpPr>
-        <p:spPr/>
-        <p:txBody>
-          <a:bodyPr/>
-          <a:lstStyle/>
-          <a:p>
-            <a:endParaRPr lang="en-IN"/>
-          </a:p>
-        </p:txBody>
-      </p:sp>
-      <p:sp>
-        <p:nvSpPr>
-          <p:cNvPr id="3" name="Content Placeholder 2"/>
-          <p:cNvSpPr>
-            <a:spLocks noGrp="1"/>
-          </p:cNvSpPr>
-          <p:nvPr>
-            <p:ph idx="1"/>
-          </p:nvPr>
-        </p:nvSpPr>
-        <p:spPr/>
-        <p:txBody>
-          <a:bodyPr/>
-          <a:lstStyle/>
-          <a:p>
-            <a:endParaRPr lang="en-IN"/>
-          </a:p>
-        </p:txBody>
-      </p:sp>
       <p:pic>
         <p:nvPicPr>
           <p:cNvPr id="4" name="Picture 3"/>
@@ -4642,8 +4604,8 @@
         </p:blipFill>
         <p:spPr>
           <a:xfrm>
-            <a:off x="107504" y="116632"/>
-            <a:ext cx="7704856" cy="6864048"/>
+            <a:off x="107504" y="176996"/>
+            <a:ext cx="7300713" cy="6504008"/>
           </a:xfrm>
           <a:prstGeom prst="rect">
             <a:avLst/>
@@ -4884,8 +4846,8 @@
         </p:blipFill>
         <p:spPr>
           <a:xfrm>
-            <a:off x="3268844" y="164"/>
-            <a:ext cx="4133850" cy="2105025"/>
+            <a:off x="3491880" y="113738"/>
+            <a:ext cx="3910814" cy="1991451"/>
           </a:xfrm>
           <a:prstGeom prst="rect">
             <a:avLst/>
@@ -5123,8 +5085,8 @@
         </p:nvSpPr>
         <p:spPr>
           <a:xfrm>
-            <a:off x="2109407" y="5517231"/>
-            <a:ext cx="6768752" cy="707886"/>
+            <a:off x="1417744" y="5061548"/>
+            <a:ext cx="7402728" cy="707886"/>
           </a:xfrm>
           <a:prstGeom prst="rect">
             <a:avLst/>
@@ -5158,7 +5120,7 @@
                   <a:srgbClr val="FF0000"/>
                 </a:solidFill>
               </a:rPr>
-              <a:t>(C0,C01)+(2-1)*</a:t>
+              <a:t>(C0,C01)+(2-1)* </a:t>
             </a:r>
             <a:r>
               <a:rPr lang="en-IN" sz="2000" b="1" dirty="0" err="1">
@@ -5174,7 +5136,7 @@
                   <a:srgbClr val="FF0000"/>
                 </a:solidFill>
               </a:rPr>
-              <a:t>(C0,C02)+(4-1)</a:t>
+              <a:t>(C0,C02)+(4-1)*</a:t>
             </a:r>
             <a:r>
               <a:rPr lang="en-IN" sz="2000" b="1" dirty="0" err="1">
@@ -5326,25 +5288,6 @@
           </a:p>
         </p:txBody>
       </p:sp>
-      <p:sp>
-        <p:nvSpPr>
-          <p:cNvPr id="3" name="Content Placeholder 2"/>
-          <p:cNvSpPr>
-            <a:spLocks noGrp="1"/>
-          </p:cNvSpPr>
-          <p:nvPr>
-            <p:ph idx="1"/>
-          </p:nvPr>
-        </p:nvSpPr>
-        <p:spPr/>
-        <p:txBody>
-          <a:bodyPr/>
-          <a:lstStyle/>
-          <a:p>
-            <a:endParaRPr lang="en-IN"/>
-          </a:p>
-        </p:txBody>
-      </p:sp>
       <p:pic>
         <p:nvPicPr>
           <p:cNvPr id="5" name="Picture 4"/>
@@ -5418,28 +5361,9 @@
           </a:p>
         </p:txBody>
       </p:sp>
-      <p:sp>
-        <p:nvSpPr>
-          <p:cNvPr id="3" name="Content Placeholder 2"/>
-          <p:cNvSpPr>
-            <a:spLocks noGrp="1"/>
-          </p:cNvSpPr>
-          <p:nvPr>
-            <p:ph idx="1"/>
-          </p:nvPr>
-        </p:nvSpPr>
-        <p:spPr/>
-        <p:txBody>
-          <a:bodyPr/>
-          <a:lstStyle/>
-          <a:p>
-            <a:endParaRPr lang="en-IN"/>
-          </a:p>
-        </p:txBody>
-      </p:sp>
       <p:pic>
         <p:nvPicPr>
-          <p:cNvPr id="4" name="Picture 3"/>
+          <p:cNvPr id="5" name="Picture 4"/>
           <p:cNvPicPr>
             <a:picLocks noChangeAspect="1"/>
           </p:cNvPicPr>
@@ -5453,8 +5377,8 @@
         </p:blipFill>
         <p:spPr>
           <a:xfrm>
-            <a:off x="179512" y="1600200"/>
-            <a:ext cx="8507288" cy="5335755"/>
+            <a:off x="1763688" y="549421"/>
+            <a:ext cx="5876973" cy="481974"/>
           </a:xfrm>
           <a:prstGeom prst="rect">
             <a:avLst/>
@@ -5463,7 +5387,13 @@
       </p:pic>
       <p:pic>
         <p:nvPicPr>
-          <p:cNvPr id="5" name="Picture 4"/>
+          <p:cNvPr id="6" name="Picture 5">
+            <a:extLst>
+              <a:ext uri="{FF2B5EF4-FFF2-40B4-BE49-F238E27FC236}">
+                <a16:creationId xmlns:a16="http://schemas.microsoft.com/office/drawing/2014/main" id="{35DB5BB8-F1B8-A34A-876A-77BE1A9533A7}"/>
+              </a:ext>
+            </a:extLst>
+          </p:cNvPr>
           <p:cNvPicPr>
             <a:picLocks noChangeAspect="1"/>
           </p:cNvPicPr>
@@ -5477,8 +5407,8 @@
         </p:blipFill>
         <p:spPr>
           <a:xfrm>
-            <a:off x="1763688" y="549421"/>
-            <a:ext cx="5876973" cy="481974"/>
+            <a:off x="323528" y="1600201"/>
+            <a:ext cx="8363272" cy="5245429"/>
           </a:xfrm>
           <a:prstGeom prst="rect">
             <a:avLst/>
@@ -5515,68 +5445,6 @@
           <a:chExt cx="0" cy="0"/>
         </a:xfrm>
       </p:grpSpPr>
-      <p:sp>
-        <p:nvSpPr>
-          <p:cNvPr id="2" name="Title 1"/>
-          <p:cNvSpPr>
-            <a:spLocks noGrp="1"/>
-          </p:cNvSpPr>
-          <p:nvPr>
-            <p:ph type="title"/>
-          </p:nvPr>
-        </p:nvSpPr>
-        <p:spPr/>
-        <p:txBody>
-          <a:bodyPr/>
-          <a:lstStyle/>
-          <a:p>
-            <a:endParaRPr lang="en-IN"/>
-          </a:p>
-        </p:txBody>
-      </p:sp>
-      <p:sp>
-        <p:nvSpPr>
-          <p:cNvPr id="3" name="Content Placeholder 2"/>
-          <p:cNvSpPr>
-            <a:spLocks noGrp="1"/>
-          </p:cNvSpPr>
-          <p:nvPr>
-            <p:ph idx="1"/>
-          </p:nvPr>
-        </p:nvSpPr>
-        <p:spPr/>
-        <p:txBody>
-          <a:bodyPr/>
-          <a:lstStyle/>
-          <a:p>
-            <a:endParaRPr lang="en-IN"/>
-          </a:p>
-        </p:txBody>
-      </p:sp>
-      <p:pic>
-        <p:nvPicPr>
-          <p:cNvPr id="4" name="Picture 3"/>
-          <p:cNvPicPr>
-            <a:picLocks noChangeAspect="1"/>
-          </p:cNvPicPr>
-          <p:nvPr/>
-        </p:nvPicPr>
-        <p:blipFill>
-          <a:blip r:embed="rId2"/>
-          <a:stretch>
-            <a:fillRect/>
-          </a:stretch>
-        </p:blipFill>
-        <p:spPr>
-          <a:xfrm>
-            <a:off x="457200" y="157316"/>
-            <a:ext cx="7992888" cy="6688233"/>
-          </a:xfrm>
-          <a:prstGeom prst="rect">
-            <a:avLst/>
-          </a:prstGeom>
-        </p:spPr>
-      </p:pic>
       <p:cxnSp>
         <p:nvCxnSpPr>
           <p:cNvPr id="6" name="Straight Connector 5"/>
@@ -5669,7 +5537,43 @@
       </p:cxnSp>
       <p:pic>
         <p:nvPicPr>
-          <p:cNvPr id="1026" name="Picture 2" descr="Clustering model validations using the Silhouette Coefficient"/>
+          <p:cNvPr id="9" name="Picture 8">
+            <a:extLst>
+              <a:ext uri="{FF2B5EF4-FFF2-40B4-BE49-F238E27FC236}">
+                <a16:creationId xmlns:a16="http://schemas.microsoft.com/office/drawing/2014/main" id="{838E87E2-CA11-2940-9843-0FA1C68BA96C}"/>
+              </a:ext>
+            </a:extLst>
+          </p:cNvPr>
+          <p:cNvPicPr>
+            <a:picLocks noChangeAspect="1"/>
+          </p:cNvPicPr>
+          <p:nvPr/>
+        </p:nvPicPr>
+        <p:blipFill>
+          <a:blip r:embed="rId2"/>
+          <a:stretch>
+            <a:fillRect/>
+          </a:stretch>
+        </p:blipFill>
+        <p:spPr>
+          <a:xfrm>
+            <a:off x="457200" y="157316"/>
+            <a:ext cx="7992888" cy="6688233"/>
+          </a:xfrm>
+          <a:prstGeom prst="rect">
+            <a:avLst/>
+          </a:prstGeom>
+        </p:spPr>
+      </p:pic>
+      <p:pic>
+        <p:nvPicPr>
+          <p:cNvPr id="11" name="Picture 2" descr="Clustering model validations using the Silhouette Coefficient">
+            <a:extLst>
+              <a:ext uri="{FF2B5EF4-FFF2-40B4-BE49-F238E27FC236}">
+                <a16:creationId xmlns:a16="http://schemas.microsoft.com/office/drawing/2014/main" id="{119B5022-9D16-A743-BDCF-4BF68CACB851}"/>
+              </a:ext>
+            </a:extLst>
+          </p:cNvPr>
           <p:cNvPicPr>
             <a:picLocks noChangeAspect="1" noChangeArrowheads="1"/>
           </p:cNvPicPr>
@@ -5904,25 +5808,6 @@
           </a:p>
         </p:txBody>
       </p:sp>
-      <p:sp>
-        <p:nvSpPr>
-          <p:cNvPr id="3" name="Content Placeholder 2"/>
-          <p:cNvSpPr>
-            <a:spLocks noGrp="1"/>
-          </p:cNvSpPr>
-          <p:nvPr>
-            <p:ph idx="1"/>
-          </p:nvPr>
-        </p:nvSpPr>
-        <p:spPr/>
-        <p:txBody>
-          <a:bodyPr/>
-          <a:lstStyle/>
-          <a:p>
-            <a:endParaRPr lang="en-IN"/>
-          </a:p>
-        </p:txBody>
-      </p:sp>
       <p:pic>
         <p:nvPicPr>
           <p:cNvPr id="5" name="Picture 4"/>
@@ -5977,47 +5862,15 @@
           <a:chExt cx="0" cy="0"/>
         </a:xfrm>
       </p:grpSpPr>
-      <p:sp>
-        <p:nvSpPr>
-          <p:cNvPr id="2" name="Title 1"/>
-          <p:cNvSpPr>
-            <a:spLocks noGrp="1"/>
-          </p:cNvSpPr>
-          <p:nvPr>
-            <p:ph type="title"/>
-          </p:nvPr>
-        </p:nvSpPr>
-        <p:spPr/>
-        <p:txBody>
-          <a:bodyPr/>
-          <a:lstStyle/>
-          <a:p>
-            <a:endParaRPr lang="en-IN"/>
-          </a:p>
-        </p:txBody>
-      </p:sp>
-      <p:sp>
-        <p:nvSpPr>
-          <p:cNvPr id="3" name="Content Placeholder 2"/>
-          <p:cNvSpPr>
-            <a:spLocks noGrp="1"/>
-          </p:cNvSpPr>
-          <p:nvPr>
-            <p:ph idx="1"/>
-          </p:nvPr>
-        </p:nvSpPr>
-        <p:spPr/>
-        <p:txBody>
-          <a:bodyPr/>
-          <a:lstStyle/>
-          <a:p>
-            <a:endParaRPr lang="en-IN"/>
-          </a:p>
-        </p:txBody>
-      </p:sp>
       <p:pic>
         <p:nvPicPr>
-          <p:cNvPr id="4" name="Picture 3"/>
+          <p:cNvPr id="5" name="Picture 4">
+            <a:extLst>
+              <a:ext uri="{FF2B5EF4-FFF2-40B4-BE49-F238E27FC236}">
+                <a16:creationId xmlns:a16="http://schemas.microsoft.com/office/drawing/2014/main" id="{18E07D1C-D0FA-474F-B8CD-40CD91F2883B}"/>
+              </a:ext>
+            </a:extLst>
+          </p:cNvPr>
           <p:cNvPicPr>
             <a:picLocks noChangeAspect="1"/>
           </p:cNvPicPr>

--- a/CSI3010 Data Warehousing Data Mining/reference materials/module-5 cluster analysis and outlier analysis/20_Cluster Evaluation.pptx
+++ b/CSI3010 Data Warehousing Data Mining/reference materials/module-5 cluster analysis and outlier analysis/20_Cluster Evaluation.pptx
@@ -228,7 +228,7 @@
           <a:p>
             <a:fld id="{AA4BDA8C-820C-459C-9AC3-513B5DFE5A4F}" type="datetimeFigureOut">
               <a:rPr lang="en-IN" smtClean="0"/>
-              <a:t>02/04/22</a:t>
+              <a:t>03/04/22</a:t>
             </a:fld>
             <a:endParaRPr lang="en-IN"/>
           </a:p>
@@ -682,7 +682,7 @@
                 </a:solidFill>
               </a:rPr>
               <a:pPr/>
-              <a:t>4/2/22</a:t>
+              <a:t>4/3/22</a:t>
             </a:fld>
             <a:endParaRPr lang="en-US">
               <a:solidFill>
@@ -882,7 +882,7 @@
                 </a:solidFill>
               </a:rPr>
               <a:pPr/>
-              <a:t>4/2/22</a:t>
+              <a:t>4/3/22</a:t>
             </a:fld>
             <a:endParaRPr lang="en-US">
               <a:solidFill>
@@ -1092,7 +1092,7 @@
                 </a:solidFill>
               </a:rPr>
               <a:pPr/>
-              <a:t>4/2/22</a:t>
+              <a:t>4/3/22</a:t>
             </a:fld>
             <a:endParaRPr lang="en-US">
               <a:solidFill>
@@ -1545,7 +1545,7 @@
                 </a:solidFill>
               </a:rPr>
               <a:pPr/>
-              <a:t>4/2/22</a:t>
+              <a:t>4/3/22</a:t>
             </a:fld>
             <a:endParaRPr lang="en-US">
               <a:solidFill>
@@ -1822,7 +1822,7 @@
                 </a:solidFill>
               </a:rPr>
               <a:pPr/>
-              <a:t>4/2/22</a:t>
+              <a:t>4/3/22</a:t>
             </a:fld>
             <a:endParaRPr lang="en-US">
               <a:solidFill>
@@ -2139,7 +2139,7 @@
                 </a:solidFill>
               </a:rPr>
               <a:pPr/>
-              <a:t>4/2/22</a:t>
+              <a:t>4/3/22</a:t>
             </a:fld>
             <a:endParaRPr lang="en-US">
               <a:solidFill>
@@ -2590,7 +2590,7 @@
                 </a:solidFill>
               </a:rPr>
               <a:pPr/>
-              <a:t>4/2/22</a:t>
+              <a:t>4/3/22</a:t>
             </a:fld>
             <a:endParaRPr lang="en-US">
               <a:solidFill>
@@ -2739,7 +2739,7 @@
                 </a:solidFill>
               </a:rPr>
               <a:pPr/>
-              <a:t>4/2/22</a:t>
+              <a:t>4/3/22</a:t>
             </a:fld>
             <a:endParaRPr lang="en-US">
               <a:solidFill>
@@ -2866,7 +2866,7 @@
                 </a:solidFill>
               </a:rPr>
               <a:pPr/>
-              <a:t>4/2/22</a:t>
+              <a:t>4/3/22</a:t>
             </a:fld>
             <a:endParaRPr lang="en-US">
               <a:solidFill>
@@ -3173,7 +3173,7 @@
                 </a:solidFill>
               </a:rPr>
               <a:pPr/>
-              <a:t>4/2/22</a:t>
+              <a:t>4/3/22</a:t>
             </a:fld>
             <a:endParaRPr lang="en-US">
               <a:solidFill>
@@ -3457,7 +3457,7 @@
                 </a:solidFill>
               </a:rPr>
               <a:pPr/>
-              <a:t>4/2/22</a:t>
+              <a:t>4/3/22</a:t>
             </a:fld>
             <a:endParaRPr lang="en-US">
               <a:solidFill>
@@ -3700,7 +3700,7 @@
                 </a:solidFill>
               </a:rPr>
               <a:pPr/>
-              <a:t>4/2/22</a:t>
+              <a:t>4/3/22</a:t>
             </a:fld>
             <a:endParaRPr lang="en-US">
               <a:solidFill>
@@ -5387,10 +5387,10 @@
       </p:pic>
       <p:pic>
         <p:nvPicPr>
-          <p:cNvPr id="6" name="Picture 5">
+          <p:cNvPr id="7" name="Picture 6">
             <a:extLst>
               <a:ext uri="{FF2B5EF4-FFF2-40B4-BE49-F238E27FC236}">
-                <a16:creationId xmlns:a16="http://schemas.microsoft.com/office/drawing/2014/main" id="{35DB5BB8-F1B8-A34A-876A-77BE1A9533A7}"/>
+                <a16:creationId xmlns:a16="http://schemas.microsoft.com/office/drawing/2014/main" id="{86E33B66-6468-D140-9448-2C39FD1ABF6C}"/>
               </a:ext>
             </a:extLst>
           </p:cNvPr>
@@ -5642,25 +5642,6 @@
           <a:chExt cx="0" cy="0"/>
         </a:xfrm>
       </p:grpSpPr>
-      <p:sp>
-        <p:nvSpPr>
-          <p:cNvPr id="2" name="Title 1"/>
-          <p:cNvSpPr>
-            <a:spLocks noGrp="1"/>
-          </p:cNvSpPr>
-          <p:nvPr>
-            <p:ph type="title"/>
-          </p:nvPr>
-        </p:nvSpPr>
-        <p:spPr/>
-        <p:txBody>
-          <a:bodyPr/>
-          <a:lstStyle/>
-          <a:p>
-            <a:endParaRPr lang="en-IN"/>
-          </a:p>
-        </p:txBody>
-      </p:sp>
       <p:pic>
         <p:nvPicPr>
           <p:cNvPr id="6" name="Content Placeholder 5"/>
@@ -5703,8 +5684,8 @@
         </p:blipFill>
         <p:spPr>
           <a:xfrm>
-            <a:off x="-33405" y="-171400"/>
-            <a:ext cx="8637169" cy="4757050"/>
+            <a:off x="-33405" y="26520"/>
+            <a:ext cx="8277813" cy="4559129"/>
           </a:xfrm>
           <a:prstGeom prst="rect">
             <a:avLst/>
@@ -5728,7 +5709,7 @@
         <p:spPr>
           <a:xfrm>
             <a:off x="6054710" y="3878418"/>
-            <a:ext cx="3295650" cy="2971800"/>
+            <a:ext cx="2935373" cy="2646926"/>
           </a:xfrm>
           <a:prstGeom prst="rect">
             <a:avLst/>
@@ -5922,47 +5903,15 @@
           <a:chExt cx="0" cy="0"/>
         </a:xfrm>
       </p:grpSpPr>
-      <p:sp>
-        <p:nvSpPr>
-          <p:cNvPr id="2" name="Title 1"/>
-          <p:cNvSpPr>
-            <a:spLocks noGrp="1"/>
-          </p:cNvSpPr>
-          <p:nvPr>
-            <p:ph type="title"/>
-          </p:nvPr>
-        </p:nvSpPr>
-        <p:spPr/>
-        <p:txBody>
-          <a:bodyPr/>
-          <a:lstStyle/>
-          <a:p>
-            <a:endParaRPr lang="en-IN"/>
-          </a:p>
-        </p:txBody>
-      </p:sp>
-      <p:sp>
-        <p:nvSpPr>
-          <p:cNvPr id="3" name="Content Placeholder 2"/>
-          <p:cNvSpPr>
-            <a:spLocks noGrp="1"/>
-          </p:cNvSpPr>
-          <p:nvPr>
-            <p:ph idx="1"/>
-          </p:nvPr>
-        </p:nvSpPr>
-        <p:spPr/>
-        <p:txBody>
-          <a:bodyPr/>
-          <a:lstStyle/>
-          <a:p>
-            <a:endParaRPr lang="en-IN"/>
-          </a:p>
-        </p:txBody>
-      </p:sp>
       <p:pic>
         <p:nvPicPr>
-          <p:cNvPr id="4" name="Picture 3"/>
+          <p:cNvPr id="5" name="Picture 4">
+            <a:extLst>
+              <a:ext uri="{FF2B5EF4-FFF2-40B4-BE49-F238E27FC236}">
+                <a16:creationId xmlns:a16="http://schemas.microsoft.com/office/drawing/2014/main" id="{F866E2F3-AA1B-3D42-A3C0-3D65DFD25801}"/>
+              </a:ext>
+            </a:extLst>
+          </p:cNvPr>
           <p:cNvPicPr>
             <a:picLocks noChangeAspect="1"/>
           </p:cNvPicPr>
